--- a/Progress Report/June 12, 2018/KMeans_Clustering.pptx
+++ b/Progress Report/June 12, 2018/KMeans_Clustering.pptx
@@ -111,6 +111,11 @@
       </a:defRPr>
     </a:lvl9pPr>
   </p:defaultTextStyle>
+  <p:extLst>
+    <p:ext uri="{EFAFB233-063F-42B5-8137-9DF3F51BA10A}">
+      <p15:sldGuideLst xmlns:p15="http://schemas.microsoft.com/office/powerpoint/2012/main"/>
+    </p:ext>
+  </p:extLst>
 </p:presentation>
 </file>
 
@@ -3983,8 +3988,8 @@
         </p:nvSpPr>
         <p:spPr>
           <a:xfrm>
-            <a:off x="448405" y="4334608"/>
-            <a:ext cx="11623433" cy="861646"/>
+            <a:off x="448406" y="4334608"/>
+            <a:ext cx="11359664" cy="861646"/>
           </a:xfrm>
           <a:prstGeom prst="rect">
             <a:avLst/>
@@ -3997,7 +4002,7 @@
         </p:spPr>
         <p:txBody>
           <a:bodyPr vert="horz" lIns="91440" tIns="45720" rIns="91440" bIns="45720" rtlCol="0" anchor="b">
-            <a:normAutofit lnSpcReduction="10000"/>
+            <a:normAutofit fontScale="70000" lnSpcReduction="20000"/>
           </a:bodyPr>
           <a:lstStyle>
             <a:lvl1pPr algn="ctr" defTabSz="914400" rtl="0" eaLnBrk="1" latinLnBrk="0" hangingPunct="1">
@@ -4051,7 +4056,20 @@
                 <a:latin typeface="Helvetica" panose="020B0604020202020204" pitchFamily="34" charset="0"/>
                 <a:cs typeface="Helvetica" panose="020B0604020202020204" pitchFamily="34" charset="0"/>
               </a:rPr>
-              <a:t>7,224,631 -&gt; quality cuts -&gt; KMeans Clustering -&gt; 100,000? </a:t>
+              <a:t>7,224,631 Stars -&gt; quality cuts -&gt; KMeans Clustering -&gt; 100,000? Cluster Centers</a:t>
+            </a:r>
+          </a:p>
+          <a:p>
+            <a:pPr algn="l"/>
+            <a:r>
+              <a:rPr lang="en-US" sz="2800" dirty="0">
+                <a:solidFill>
+                  <a:schemeClr val="accent5"/>
+                </a:solidFill>
+                <a:latin typeface="Helvetica" panose="020B0604020202020204" pitchFamily="34" charset="0"/>
+                <a:cs typeface="Helvetica" panose="020B0604020202020204" pitchFamily="34" charset="0"/>
+              </a:rPr>
+              <a:t> </a:t>
             </a:r>
             <a:endParaRPr lang="en-CA" sz="2800" i="1" dirty="0">
               <a:solidFill>
@@ -8894,7 +8912,7 @@
               <a:rPr lang="en-US" dirty="0">
                 <a:latin typeface="+mj-lt"/>
               </a:rPr>
-              <a:t> (</a:t>
+              <a:t> </a:t>
             </a:r>
           </a:p>
           <a:p>

--- a/Progress Report/June 12, 2018/KMeans_Clustering.pptx
+++ b/Progress Report/June 12, 2018/KMeans_Clustering.pptx
@@ -9,10 +9,9 @@
     <p:sldId id="258" r:id="rId3"/>
     <p:sldId id="259" r:id="rId4"/>
     <p:sldId id="260" r:id="rId5"/>
-    <p:sldId id="261" r:id="rId6"/>
-    <p:sldId id="262" r:id="rId7"/>
-    <p:sldId id="257" r:id="rId8"/>
-    <p:sldId id="263" r:id="rId9"/>
+    <p:sldId id="262" r:id="rId6"/>
+    <p:sldId id="257" r:id="rId7"/>
+    <p:sldId id="263" r:id="rId8"/>
   </p:sldIdLst>
   <p:sldSz cx="12192000" cy="6858000"/>
   <p:notesSz cx="6858000" cy="9144000"/>
@@ -268,7 +267,7 @@
           <a:p>
             <a:fld id="{D350F923-D245-4C8B-B6DF-8818C719D8D0}" type="datetimeFigureOut">
               <a:rPr lang="en-CA" smtClean="0"/>
-              <a:t>2018-06-13</a:t>
+              <a:t>2018-06-14</a:t>
             </a:fld>
             <a:endParaRPr lang="en-CA"/>
           </a:p>
@@ -468,7 +467,7 @@
           <a:p>
             <a:fld id="{D350F923-D245-4C8B-B6DF-8818C719D8D0}" type="datetimeFigureOut">
               <a:rPr lang="en-CA" smtClean="0"/>
-              <a:t>2018-06-13</a:t>
+              <a:t>2018-06-14</a:t>
             </a:fld>
             <a:endParaRPr lang="en-CA"/>
           </a:p>
@@ -678,7 +677,7 @@
           <a:p>
             <a:fld id="{D350F923-D245-4C8B-B6DF-8818C719D8D0}" type="datetimeFigureOut">
               <a:rPr lang="en-CA" smtClean="0"/>
-              <a:t>2018-06-13</a:t>
+              <a:t>2018-06-14</a:t>
             </a:fld>
             <a:endParaRPr lang="en-CA"/>
           </a:p>
@@ -878,7 +877,7 @@
           <a:p>
             <a:fld id="{D350F923-D245-4C8B-B6DF-8818C719D8D0}" type="datetimeFigureOut">
               <a:rPr lang="en-CA" smtClean="0"/>
-              <a:t>2018-06-13</a:t>
+              <a:t>2018-06-14</a:t>
             </a:fld>
             <a:endParaRPr lang="en-CA"/>
           </a:p>
@@ -1154,7 +1153,7 @@
           <a:p>
             <a:fld id="{D350F923-D245-4C8B-B6DF-8818C719D8D0}" type="datetimeFigureOut">
               <a:rPr lang="en-CA" smtClean="0"/>
-              <a:t>2018-06-13</a:t>
+              <a:t>2018-06-14</a:t>
             </a:fld>
             <a:endParaRPr lang="en-CA"/>
           </a:p>
@@ -1422,7 +1421,7 @@
           <a:p>
             <a:fld id="{D350F923-D245-4C8B-B6DF-8818C719D8D0}" type="datetimeFigureOut">
               <a:rPr lang="en-CA" smtClean="0"/>
-              <a:t>2018-06-13</a:t>
+              <a:t>2018-06-14</a:t>
             </a:fld>
             <a:endParaRPr lang="en-CA"/>
           </a:p>
@@ -1837,7 +1836,7 @@
           <a:p>
             <a:fld id="{D350F923-D245-4C8B-B6DF-8818C719D8D0}" type="datetimeFigureOut">
               <a:rPr lang="en-CA" smtClean="0"/>
-              <a:t>2018-06-13</a:t>
+              <a:t>2018-06-14</a:t>
             </a:fld>
             <a:endParaRPr lang="en-CA"/>
           </a:p>
@@ -1979,7 +1978,7 @@
           <a:p>
             <a:fld id="{D350F923-D245-4C8B-B6DF-8818C719D8D0}" type="datetimeFigureOut">
               <a:rPr lang="en-CA" smtClean="0"/>
-              <a:t>2018-06-13</a:t>
+              <a:t>2018-06-14</a:t>
             </a:fld>
             <a:endParaRPr lang="en-CA"/>
           </a:p>
@@ -2092,7 +2091,7 @@
           <a:p>
             <a:fld id="{D350F923-D245-4C8B-B6DF-8818C719D8D0}" type="datetimeFigureOut">
               <a:rPr lang="en-CA" smtClean="0"/>
-              <a:t>2018-06-13</a:t>
+              <a:t>2018-06-14</a:t>
             </a:fld>
             <a:endParaRPr lang="en-CA"/>
           </a:p>
@@ -2405,7 +2404,7 @@
           <a:p>
             <a:fld id="{D350F923-D245-4C8B-B6DF-8818C719D8D0}" type="datetimeFigureOut">
               <a:rPr lang="en-CA" smtClean="0"/>
-              <a:t>2018-06-13</a:t>
+              <a:t>2018-06-14</a:t>
             </a:fld>
             <a:endParaRPr lang="en-CA"/>
           </a:p>
@@ -2694,7 +2693,7 @@
           <a:p>
             <a:fld id="{D350F923-D245-4C8B-B6DF-8818C719D8D0}" type="datetimeFigureOut">
               <a:rPr lang="en-CA" smtClean="0"/>
-              <a:t>2018-06-13</a:t>
+              <a:t>2018-06-14</a:t>
             </a:fld>
             <a:endParaRPr lang="en-CA"/>
           </a:p>
@@ -2937,7 +2936,7 @@
           <a:p>
             <a:fld id="{D350F923-D245-4C8B-B6DF-8818C719D8D0}" type="datetimeFigureOut">
               <a:rPr lang="en-CA" smtClean="0"/>
-              <a:t>2018-06-13</a:t>
+              <a:t>2018-06-14</a:t>
             </a:fld>
             <a:endParaRPr lang="en-CA"/>
           </a:p>
@@ -6492,2126 +6491,6 @@
     </p:spTree>
     <p:extLst>
       <p:ext uri="{BB962C8B-B14F-4D97-AF65-F5344CB8AC3E}">
-        <p14:creationId xmlns:p14="http://schemas.microsoft.com/office/powerpoint/2010/main" val="464253346"/>
-      </p:ext>
-    </p:extLst>
-  </p:cSld>
-  <p:clrMapOvr>
-    <a:masterClrMapping/>
-  </p:clrMapOvr>
-  <p:timing>
-    <p:tnLst>
-      <p:par>
-        <p:cTn id="1" dur="indefinite" restart="never" nodeType="tmRoot">
-          <p:childTnLst>
-            <p:seq concurrent="1" nextAc="seek">
-              <p:cTn id="2" dur="indefinite" nodeType="mainSeq">
-                <p:childTnLst>
-                  <p:par>
-                    <p:cTn id="3" fill="hold">
-                      <p:stCondLst>
-                        <p:cond delay="indefinite"/>
-                      </p:stCondLst>
-                      <p:childTnLst>
-                        <p:par>
-                          <p:cTn id="4" fill="hold">
-                            <p:stCondLst>
-                              <p:cond delay="0"/>
-                            </p:stCondLst>
-                            <p:childTnLst>
-                              <p:par>
-                                <p:cTn id="5" presetID="1" presetClass="entr" presetSubtype="0" fill="hold" grpId="0" nodeType="clickEffect">
-                                  <p:stCondLst>
-                                    <p:cond delay="0"/>
-                                  </p:stCondLst>
-                                  <p:childTnLst>
-                                    <p:set>
-                                      <p:cBhvr>
-                                        <p:cTn id="6" dur="1" fill="hold">
-                                          <p:stCondLst>
-                                            <p:cond delay="0"/>
-                                          </p:stCondLst>
-                                        </p:cTn>
-                                        <p:tgtEl>
-                                          <p:spTgt spid="3">
-                                            <p:txEl>
-                                              <p:pRg st="0" end="0"/>
-                                            </p:txEl>
-                                          </p:spTgt>
-                                        </p:tgtEl>
-                                        <p:attrNameLst>
-                                          <p:attrName>style.visibility</p:attrName>
-                                        </p:attrNameLst>
-                                      </p:cBhvr>
-                                      <p:to>
-                                        <p:strVal val="visible"/>
-                                      </p:to>
-                                    </p:set>
-                                  </p:childTnLst>
-                                </p:cTn>
-                              </p:par>
-                              <p:par>
-                                <p:cTn id="7" presetID="1" presetClass="entr" presetSubtype="0" fill="hold" grpId="0" nodeType="withEffect">
-                                  <p:stCondLst>
-                                    <p:cond delay="0"/>
-                                  </p:stCondLst>
-                                  <p:childTnLst>
-                                    <p:set>
-                                      <p:cBhvr>
-                                        <p:cTn id="8" dur="1" fill="hold">
-                                          <p:stCondLst>
-                                            <p:cond delay="0"/>
-                                          </p:stCondLst>
-                                        </p:cTn>
-                                        <p:tgtEl>
-                                          <p:spTgt spid="6"/>
-                                        </p:tgtEl>
-                                        <p:attrNameLst>
-                                          <p:attrName>style.visibility</p:attrName>
-                                        </p:attrNameLst>
-                                      </p:cBhvr>
-                                      <p:to>
-                                        <p:strVal val="visible"/>
-                                      </p:to>
-                                    </p:set>
-                                  </p:childTnLst>
-                                </p:cTn>
-                              </p:par>
-                            </p:childTnLst>
-                          </p:cTn>
-                        </p:par>
-                      </p:childTnLst>
-                    </p:cTn>
-                  </p:par>
-                  <p:par>
-                    <p:cTn id="9" fill="hold">
-                      <p:stCondLst>
-                        <p:cond delay="indefinite"/>
-                      </p:stCondLst>
-                      <p:childTnLst>
-                        <p:par>
-                          <p:cTn id="10" fill="hold">
-                            <p:stCondLst>
-                              <p:cond delay="0"/>
-                            </p:stCondLst>
-                            <p:childTnLst>
-                              <p:par>
-                                <p:cTn id="11" presetID="1" presetClass="entr" presetSubtype="0" fill="hold" grpId="0" nodeType="clickEffect">
-                                  <p:stCondLst>
-                                    <p:cond delay="0"/>
-                                  </p:stCondLst>
-                                  <p:childTnLst>
-                                    <p:set>
-                                      <p:cBhvr>
-                                        <p:cTn id="12" dur="1" fill="hold">
-                                          <p:stCondLst>
-                                            <p:cond delay="0"/>
-                                          </p:stCondLst>
-                                        </p:cTn>
-                                        <p:tgtEl>
-                                          <p:spTgt spid="14"/>
-                                        </p:tgtEl>
-                                        <p:attrNameLst>
-                                          <p:attrName>style.visibility</p:attrName>
-                                        </p:attrNameLst>
-                                      </p:cBhvr>
-                                      <p:to>
-                                        <p:strVal val="visible"/>
-                                      </p:to>
-                                    </p:set>
-                                  </p:childTnLst>
-                                </p:cTn>
-                              </p:par>
-                              <p:par>
-                                <p:cTn id="13" presetID="1" presetClass="entr" presetSubtype="0" fill="hold" nodeType="withEffect">
-                                  <p:stCondLst>
-                                    <p:cond delay="0"/>
-                                  </p:stCondLst>
-                                  <p:childTnLst>
-                                    <p:set>
-                                      <p:cBhvr>
-                                        <p:cTn id="14" dur="1" fill="hold">
-                                          <p:stCondLst>
-                                            <p:cond delay="0"/>
-                                          </p:stCondLst>
-                                        </p:cTn>
-                                        <p:tgtEl>
-                                          <p:spTgt spid="2056"/>
-                                        </p:tgtEl>
-                                        <p:attrNameLst>
-                                          <p:attrName>style.visibility</p:attrName>
-                                        </p:attrNameLst>
-                                      </p:cBhvr>
-                                      <p:to>
-                                        <p:strVal val="visible"/>
-                                      </p:to>
-                                    </p:set>
-                                  </p:childTnLst>
-                                </p:cTn>
-                              </p:par>
-                              <p:par>
-                                <p:cTn id="15" presetID="1" presetClass="entr" presetSubtype="0" fill="hold" nodeType="withEffect">
-                                  <p:stCondLst>
-                                    <p:cond delay="0"/>
-                                  </p:stCondLst>
-                                  <p:childTnLst>
-                                    <p:set>
-                                      <p:cBhvr>
-                                        <p:cTn id="16" dur="1" fill="hold">
-                                          <p:stCondLst>
-                                            <p:cond delay="0"/>
-                                          </p:stCondLst>
-                                        </p:cTn>
-                                        <p:tgtEl>
-                                          <p:spTgt spid="2058"/>
-                                        </p:tgtEl>
-                                        <p:attrNameLst>
-                                          <p:attrName>style.visibility</p:attrName>
-                                        </p:attrNameLst>
-                                      </p:cBhvr>
-                                      <p:to>
-                                        <p:strVal val="visible"/>
-                                      </p:to>
-                                    </p:set>
-                                  </p:childTnLst>
-                                </p:cTn>
-                              </p:par>
-                              <p:par>
-                                <p:cTn id="17" presetID="1" presetClass="entr" presetSubtype="0" fill="hold" nodeType="withEffect">
-                                  <p:stCondLst>
-                                    <p:cond delay="0"/>
-                                  </p:stCondLst>
-                                  <p:childTnLst>
-                                    <p:set>
-                                      <p:cBhvr>
-                                        <p:cTn id="18" dur="1" fill="hold">
-                                          <p:stCondLst>
-                                            <p:cond delay="0"/>
-                                          </p:stCondLst>
-                                        </p:cTn>
-                                        <p:tgtEl>
-                                          <p:spTgt spid="2060"/>
-                                        </p:tgtEl>
-                                        <p:attrNameLst>
-                                          <p:attrName>style.visibility</p:attrName>
-                                        </p:attrNameLst>
-                                      </p:cBhvr>
-                                      <p:to>
-                                        <p:strVal val="visible"/>
-                                      </p:to>
-                                    </p:set>
-                                  </p:childTnLst>
-                                </p:cTn>
-                              </p:par>
-                              <p:par>
-                                <p:cTn id="19" presetID="1" presetClass="entr" presetSubtype="0" fill="hold" grpId="0" nodeType="withEffect">
-                                  <p:stCondLst>
-                                    <p:cond delay="0"/>
-                                  </p:stCondLst>
-                                  <p:childTnLst>
-                                    <p:set>
-                                      <p:cBhvr>
-                                        <p:cTn id="20" dur="1" fill="hold">
-                                          <p:stCondLst>
-                                            <p:cond delay="0"/>
-                                          </p:stCondLst>
-                                        </p:cTn>
-                                        <p:tgtEl>
-                                          <p:spTgt spid="15"/>
-                                        </p:tgtEl>
-                                        <p:attrNameLst>
-                                          <p:attrName>style.visibility</p:attrName>
-                                        </p:attrNameLst>
-                                      </p:cBhvr>
-                                      <p:to>
-                                        <p:strVal val="visible"/>
-                                      </p:to>
-                                    </p:set>
-                                  </p:childTnLst>
-                                </p:cTn>
-                              </p:par>
-                              <p:par>
-                                <p:cTn id="21" presetID="1" presetClass="entr" presetSubtype="0" fill="hold" grpId="0" nodeType="withEffect">
-                                  <p:stCondLst>
-                                    <p:cond delay="0"/>
-                                  </p:stCondLst>
-                                  <p:childTnLst>
-                                    <p:set>
-                                      <p:cBhvr>
-                                        <p:cTn id="22" dur="1" fill="hold">
-                                          <p:stCondLst>
-                                            <p:cond delay="0"/>
-                                          </p:stCondLst>
-                                        </p:cTn>
-                                        <p:tgtEl>
-                                          <p:spTgt spid="16"/>
-                                        </p:tgtEl>
-                                        <p:attrNameLst>
-                                          <p:attrName>style.visibility</p:attrName>
-                                        </p:attrNameLst>
-                                      </p:cBhvr>
-                                      <p:to>
-                                        <p:strVal val="visible"/>
-                                      </p:to>
-                                    </p:set>
-                                  </p:childTnLst>
-                                </p:cTn>
-                              </p:par>
-                              <p:par>
-                                <p:cTn id="23" presetID="1" presetClass="entr" presetSubtype="0" fill="hold" grpId="0" nodeType="withEffect">
-                                  <p:stCondLst>
-                                    <p:cond delay="0"/>
-                                  </p:stCondLst>
-                                  <p:childTnLst>
-                                    <p:set>
-                                      <p:cBhvr>
-                                        <p:cTn id="24" dur="1" fill="hold">
-                                          <p:stCondLst>
-                                            <p:cond delay="0"/>
-                                          </p:stCondLst>
-                                        </p:cTn>
-                                        <p:tgtEl>
-                                          <p:spTgt spid="17"/>
-                                        </p:tgtEl>
-                                        <p:attrNameLst>
-                                          <p:attrName>style.visibility</p:attrName>
-                                        </p:attrNameLst>
-                                      </p:cBhvr>
-                                      <p:to>
-                                        <p:strVal val="visible"/>
-                                      </p:to>
-                                    </p:set>
-                                  </p:childTnLst>
-                                </p:cTn>
-                              </p:par>
-                              <p:par>
-                                <p:cTn id="25" presetID="1" presetClass="entr" presetSubtype="0" fill="hold" grpId="0" nodeType="withEffect">
-                                  <p:stCondLst>
-                                    <p:cond delay="0"/>
-                                  </p:stCondLst>
-                                  <p:childTnLst>
-                                    <p:set>
-                                      <p:cBhvr>
-                                        <p:cTn id="26" dur="1" fill="hold">
-                                          <p:stCondLst>
-                                            <p:cond delay="0"/>
-                                          </p:stCondLst>
-                                        </p:cTn>
-                                        <p:tgtEl>
-                                          <p:spTgt spid="18"/>
-                                        </p:tgtEl>
-                                        <p:attrNameLst>
-                                          <p:attrName>style.visibility</p:attrName>
-                                        </p:attrNameLst>
-                                      </p:cBhvr>
-                                      <p:to>
-                                        <p:strVal val="visible"/>
-                                      </p:to>
-                                    </p:set>
-                                  </p:childTnLst>
-                                </p:cTn>
-                              </p:par>
-                              <p:par>
-                                <p:cTn id="27" presetID="1" presetClass="entr" presetSubtype="0" fill="hold" grpId="0" nodeType="withEffect">
-                                  <p:stCondLst>
-                                    <p:cond delay="0"/>
-                                  </p:stCondLst>
-                                  <p:childTnLst>
-                                    <p:set>
-                                      <p:cBhvr>
-                                        <p:cTn id="28" dur="1" fill="hold">
-                                          <p:stCondLst>
-                                            <p:cond delay="0"/>
-                                          </p:stCondLst>
-                                        </p:cTn>
-                                        <p:tgtEl>
-                                          <p:spTgt spid="19"/>
-                                        </p:tgtEl>
-                                        <p:attrNameLst>
-                                          <p:attrName>style.visibility</p:attrName>
-                                        </p:attrNameLst>
-                                      </p:cBhvr>
-                                      <p:to>
-                                        <p:strVal val="visible"/>
-                                      </p:to>
-                                    </p:set>
-                                  </p:childTnLst>
-                                </p:cTn>
-                              </p:par>
-                              <p:par>
-                                <p:cTn id="29" presetID="1" presetClass="entr" presetSubtype="0" fill="hold" grpId="0" nodeType="withEffect">
-                                  <p:stCondLst>
-                                    <p:cond delay="0"/>
-                                  </p:stCondLst>
-                                  <p:childTnLst>
-                                    <p:set>
-                                      <p:cBhvr>
-                                        <p:cTn id="30" dur="1" fill="hold">
-                                          <p:stCondLst>
-                                            <p:cond delay="0"/>
-                                          </p:stCondLst>
-                                        </p:cTn>
-                                        <p:tgtEl>
-                                          <p:spTgt spid="7"/>
-                                        </p:tgtEl>
-                                        <p:attrNameLst>
-                                          <p:attrName>style.visibility</p:attrName>
-                                        </p:attrNameLst>
-                                      </p:cBhvr>
-                                      <p:to>
-                                        <p:strVal val="visible"/>
-                                      </p:to>
-                                    </p:set>
-                                  </p:childTnLst>
-                                </p:cTn>
-                              </p:par>
-                            </p:childTnLst>
-                          </p:cTn>
-                        </p:par>
-                      </p:childTnLst>
-                    </p:cTn>
-                  </p:par>
-                </p:childTnLst>
-              </p:cTn>
-              <p:prevCondLst>
-                <p:cond evt="onPrev" delay="0">
-                  <p:tgtEl>
-                    <p:sldTgt/>
-                  </p:tgtEl>
-                </p:cond>
-              </p:prevCondLst>
-              <p:nextCondLst>
-                <p:cond evt="onNext" delay="0">
-                  <p:tgtEl>
-                    <p:sldTgt/>
-                  </p:tgtEl>
-                </p:cond>
-              </p:nextCondLst>
-            </p:seq>
-          </p:childTnLst>
-        </p:cTn>
-      </p:par>
-    </p:tnLst>
-    <p:bldLst>
-      <p:bldP spid="14" grpId="0" animBg="1"/>
-      <p:bldP spid="3" grpId="0" build="p"/>
-      <p:bldP spid="6" grpId="0" animBg="1"/>
-      <p:bldP spid="7" grpId="0"/>
-      <p:bldP spid="15" grpId="0"/>
-      <p:bldP spid="16" grpId="0"/>
-      <p:bldP spid="17" grpId="0"/>
-      <p:bldP spid="18" grpId="0"/>
-      <p:bldP spid="19" grpId="0"/>
-    </p:bldLst>
-  </p:timing>
-</p:sld>
-</file>
-
-<file path=ppt/slides/slide6.xml><?xml version="1.0" encoding="utf-8"?>
-<p:sld xmlns:a="http://schemas.openxmlformats.org/drawingml/2006/main" xmlns:r="http://schemas.openxmlformats.org/officeDocument/2006/relationships" xmlns:p="http://schemas.openxmlformats.org/presentationml/2006/main">
-  <p:cSld>
-    <p:bg>
-      <p:bgPr>
-        <a:solidFill>
-          <a:schemeClr val="tx1"/>
-        </a:solidFill>
-        <a:effectLst/>
-      </p:bgPr>
-    </p:bg>
-    <p:spTree>
-      <p:nvGrpSpPr>
-        <p:cNvPr id="1" name=""/>
-        <p:cNvGrpSpPr/>
-        <p:nvPr/>
-      </p:nvGrpSpPr>
-      <p:grpSpPr>
-        <a:xfrm>
-          <a:off x="0" y="0"/>
-          <a:ext cx="0" cy="0"/>
-          <a:chOff x="0" y="0"/>
-          <a:chExt cx="0" cy="0"/>
-        </a:xfrm>
-      </p:grpSpPr>
-      <p:sp>
-        <p:nvSpPr>
-          <p:cNvPr id="14" name="Rectangle 13">
-            <a:extLst>
-              <a:ext uri="{FF2B5EF4-FFF2-40B4-BE49-F238E27FC236}">
-                <a16:creationId xmlns:a16="http://schemas.microsoft.com/office/drawing/2014/main" id="{F4016095-8C10-4F88-A6E0-01E9260663DC}"/>
-              </a:ext>
-            </a:extLst>
-          </p:cNvPr>
-          <p:cNvSpPr/>
-          <p:nvPr/>
-        </p:nvSpPr>
-        <p:spPr>
-          <a:xfrm>
-            <a:off x="4425097" y="3982918"/>
-            <a:ext cx="6418385" cy="2066192"/>
-          </a:xfrm>
-          <a:prstGeom prst="rect">
-            <a:avLst/>
-          </a:prstGeom>
-          <a:solidFill>
-            <a:schemeClr val="bg1"/>
-          </a:solidFill>
-          <a:ln>
-            <a:noFill/>
-          </a:ln>
-        </p:spPr>
-        <p:style>
-          <a:lnRef idx="2">
-            <a:schemeClr val="accent1">
-              <a:shade val="50000"/>
-            </a:schemeClr>
-          </a:lnRef>
-          <a:fillRef idx="1">
-            <a:schemeClr val="accent1"/>
-          </a:fillRef>
-          <a:effectRef idx="0">
-            <a:schemeClr val="accent1"/>
-          </a:effectRef>
-          <a:fontRef idx="minor">
-            <a:schemeClr val="lt1"/>
-          </a:fontRef>
-        </p:style>
-        <p:txBody>
-          <a:bodyPr rtlCol="0" anchor="ctr"/>
-          <a:lstStyle/>
-          <a:p>
-            <a:pPr algn="ctr"/>
-            <a:endParaRPr lang="en-CA"/>
-          </a:p>
-        </p:txBody>
-      </p:sp>
-      <p:sp>
-        <p:nvSpPr>
-          <p:cNvPr id="2" name="Title 1">
-            <a:extLst>
-              <a:ext uri="{FF2B5EF4-FFF2-40B4-BE49-F238E27FC236}">
-                <a16:creationId xmlns:a16="http://schemas.microsoft.com/office/drawing/2014/main" id="{BF087130-4C47-4D7F-B7C8-65E3B7AF564A}"/>
-              </a:ext>
-            </a:extLst>
-          </p:cNvPr>
-          <p:cNvSpPr>
-            <a:spLocks noGrp="1"/>
-          </p:cNvSpPr>
-          <p:nvPr>
-            <p:ph type="ctrTitle"/>
-          </p:nvPr>
-        </p:nvSpPr>
-        <p:spPr>
-          <a:xfrm>
-            <a:off x="962757" y="202222"/>
-            <a:ext cx="10266485" cy="1063869"/>
-          </a:xfrm>
-        </p:spPr>
-        <p:txBody>
-          <a:bodyPr>
-            <a:normAutofit/>
-          </a:bodyPr>
-          <a:lstStyle/>
-          <a:p>
-            <a:r>
-              <a:rPr lang="en-US" b="1" dirty="0">
-                <a:solidFill>
-                  <a:schemeClr val="accent5"/>
-                </a:solidFill>
-                <a:latin typeface="Helvetica" panose="020B0604020202020204" pitchFamily="34" charset="0"/>
-                <a:cs typeface="Helvetica" panose="020B0604020202020204" pitchFamily="34" charset="0"/>
-              </a:rPr>
-              <a:t>How Does KMeans Work?</a:t>
-            </a:r>
-            <a:endParaRPr lang="en-CA" sz="5600" dirty="0">
-              <a:solidFill>
-                <a:schemeClr val="accent5"/>
-              </a:solidFill>
-              <a:latin typeface="Helvetica" panose="020B0604020202020204" pitchFamily="34" charset="0"/>
-              <a:cs typeface="Helvetica" panose="020B0604020202020204" pitchFamily="34" charset="0"/>
-            </a:endParaRPr>
-          </a:p>
-        </p:txBody>
-      </p:sp>
-      <p:sp>
-        <p:nvSpPr>
-          <p:cNvPr id="3" name="Subtitle 2">
-            <a:extLst>
-              <a:ext uri="{FF2B5EF4-FFF2-40B4-BE49-F238E27FC236}">
-                <a16:creationId xmlns:a16="http://schemas.microsoft.com/office/drawing/2014/main" id="{EA44A6C5-21CD-46A7-8337-D60CDD40530B}"/>
-              </a:ext>
-            </a:extLst>
-          </p:cNvPr>
-          <p:cNvSpPr>
-            <a:spLocks noGrp="1"/>
-          </p:cNvSpPr>
-          <p:nvPr>
-            <p:ph type="subTitle" idx="1"/>
-          </p:nvPr>
-        </p:nvSpPr>
-        <p:spPr>
-          <a:xfrm>
-            <a:off x="697523" y="2190015"/>
-            <a:ext cx="4369777" cy="685068"/>
-          </a:xfrm>
-        </p:spPr>
-        <p:txBody>
-          <a:bodyPr/>
-          <a:lstStyle/>
-          <a:p>
-            <a:r>
-              <a:rPr lang="en-US" dirty="0">
-                <a:solidFill>
-                  <a:schemeClr val="accent5"/>
-                </a:solidFill>
-                <a:latin typeface="Helvetica" panose="020B0604020202020204" pitchFamily="34" charset="0"/>
-                <a:cs typeface="Helvetica" panose="020B0604020202020204" pitchFamily="34" charset="0"/>
-              </a:rPr>
-              <a:t>Voronoi Tessellation:</a:t>
-            </a:r>
-            <a:endParaRPr lang="en-US" sz="2000" dirty="0">
-              <a:solidFill>
-                <a:schemeClr val="accent5"/>
-              </a:solidFill>
-              <a:latin typeface="Helvetica" panose="020B0604020202020204" pitchFamily="34" charset="0"/>
-              <a:cs typeface="Helvetica" panose="020B0604020202020204" pitchFamily="34" charset="0"/>
-            </a:endParaRPr>
-          </a:p>
-          <a:p>
-            <a:endParaRPr lang="en-CA" dirty="0">
-              <a:solidFill>
-                <a:schemeClr val="accent5"/>
-              </a:solidFill>
-              <a:latin typeface="Helvetica" panose="020B0604020202020204" pitchFamily="34" charset="0"/>
-              <a:cs typeface="Helvetica" panose="020B0604020202020204" pitchFamily="34" charset="0"/>
-            </a:endParaRPr>
-          </a:p>
-        </p:txBody>
-      </p:sp>
-      <p:sp>
-        <p:nvSpPr>
-          <p:cNvPr id="6" name="Rectangle 5">
-            <a:extLst>
-              <a:ext uri="{FF2B5EF4-FFF2-40B4-BE49-F238E27FC236}">
-                <a16:creationId xmlns:a16="http://schemas.microsoft.com/office/drawing/2014/main" id="{3E710243-9E3E-42C8-AF4C-5FC0DB9B79E2}"/>
-              </a:ext>
-            </a:extLst>
-          </p:cNvPr>
-          <p:cNvSpPr/>
-          <p:nvPr/>
-        </p:nvSpPr>
-        <p:spPr>
-          <a:xfrm>
-            <a:off x="4425097" y="1366967"/>
-            <a:ext cx="6418385" cy="2066192"/>
-          </a:xfrm>
-          <a:prstGeom prst="rect">
-            <a:avLst/>
-          </a:prstGeom>
-          <a:solidFill>
-            <a:schemeClr val="bg1"/>
-          </a:solidFill>
-          <a:ln>
-            <a:noFill/>
-          </a:ln>
-        </p:spPr>
-        <p:style>
-          <a:lnRef idx="2">
-            <a:schemeClr val="accent1">
-              <a:shade val="50000"/>
-            </a:schemeClr>
-          </a:lnRef>
-          <a:fillRef idx="1">
-            <a:schemeClr val="accent1"/>
-          </a:fillRef>
-          <a:effectRef idx="0">
-            <a:schemeClr val="accent1"/>
-          </a:effectRef>
-          <a:fontRef idx="minor">
-            <a:schemeClr val="lt1"/>
-          </a:fontRef>
-        </p:style>
-        <p:txBody>
-          <a:bodyPr rtlCol="0" anchor="ctr"/>
-          <a:lstStyle/>
-          <a:p>
-            <a:pPr algn="ctr"/>
-            <a:endParaRPr lang="en-CA"/>
-          </a:p>
-        </p:txBody>
-      </p:sp>
-      <p:sp>
-        <p:nvSpPr>
-          <p:cNvPr id="7" name="Subtitle 2">
-            <a:extLst>
-              <a:ext uri="{FF2B5EF4-FFF2-40B4-BE49-F238E27FC236}">
-                <a16:creationId xmlns:a16="http://schemas.microsoft.com/office/drawing/2014/main" id="{00D1E0CE-FA3F-40C8-BBF7-5A5A8E7707B0}"/>
-              </a:ext>
-            </a:extLst>
-          </p:cNvPr>
-          <p:cNvSpPr txBox="1">
-            <a:spLocks/>
-          </p:cNvSpPr>
-          <p:nvPr/>
-        </p:nvSpPr>
-        <p:spPr>
-          <a:xfrm>
-            <a:off x="697522" y="4654793"/>
-            <a:ext cx="4369777" cy="685068"/>
-          </a:xfrm>
-          <a:prstGeom prst="rect">
-            <a:avLst/>
-          </a:prstGeom>
-        </p:spPr>
-        <p:txBody>
-          <a:bodyPr vert="horz" lIns="91440" tIns="45720" rIns="91440" bIns="45720" rtlCol="0">
-            <a:normAutofit/>
-          </a:bodyPr>
-          <a:lstStyle>
-            <a:lvl1pPr marL="0" indent="0" algn="ctr" defTabSz="914400" rtl="0" eaLnBrk="1" latinLnBrk="0" hangingPunct="1">
-              <a:lnSpc>
-                <a:spcPct val="90000"/>
-              </a:lnSpc>
-              <a:spcBef>
-                <a:spcPts val="1000"/>
-              </a:spcBef>
-              <a:buFont typeface="Arial" panose="020B0604020202020204" pitchFamily="34" charset="0"/>
-              <a:buNone/>
-              <a:defRPr sz="2400" kern="1200">
-                <a:solidFill>
-                  <a:schemeClr val="tx1"/>
-                </a:solidFill>
-                <a:latin typeface="+mn-lt"/>
-                <a:ea typeface="+mn-ea"/>
-                <a:cs typeface="+mn-cs"/>
-              </a:defRPr>
-            </a:lvl1pPr>
-            <a:lvl2pPr marL="457200" indent="0" algn="ctr" defTabSz="914400" rtl="0" eaLnBrk="1" latinLnBrk="0" hangingPunct="1">
-              <a:lnSpc>
-                <a:spcPct val="90000"/>
-              </a:lnSpc>
-              <a:spcBef>
-                <a:spcPts val="500"/>
-              </a:spcBef>
-              <a:buFont typeface="Arial" panose="020B0604020202020204" pitchFamily="34" charset="0"/>
-              <a:buNone/>
-              <a:defRPr sz="2000" kern="1200">
-                <a:solidFill>
-                  <a:schemeClr val="tx1"/>
-                </a:solidFill>
-                <a:latin typeface="+mn-lt"/>
-                <a:ea typeface="+mn-ea"/>
-                <a:cs typeface="+mn-cs"/>
-              </a:defRPr>
-            </a:lvl2pPr>
-            <a:lvl3pPr marL="914400" indent="0" algn="ctr" defTabSz="914400" rtl="0" eaLnBrk="1" latinLnBrk="0" hangingPunct="1">
-              <a:lnSpc>
-                <a:spcPct val="90000"/>
-              </a:lnSpc>
-              <a:spcBef>
-                <a:spcPts val="500"/>
-              </a:spcBef>
-              <a:buFont typeface="Arial" panose="020B0604020202020204" pitchFamily="34" charset="0"/>
-              <a:buNone/>
-              <a:defRPr sz="1800" kern="1200">
-                <a:solidFill>
-                  <a:schemeClr val="tx1"/>
-                </a:solidFill>
-                <a:latin typeface="+mn-lt"/>
-                <a:ea typeface="+mn-ea"/>
-                <a:cs typeface="+mn-cs"/>
-              </a:defRPr>
-            </a:lvl3pPr>
-            <a:lvl4pPr marL="1371600" indent="0" algn="ctr" defTabSz="914400" rtl="0" eaLnBrk="1" latinLnBrk="0" hangingPunct="1">
-              <a:lnSpc>
-                <a:spcPct val="90000"/>
-              </a:lnSpc>
-              <a:spcBef>
-                <a:spcPts val="500"/>
-              </a:spcBef>
-              <a:buFont typeface="Arial" panose="020B0604020202020204" pitchFamily="34" charset="0"/>
-              <a:buNone/>
-              <a:defRPr sz="1600" kern="1200">
-                <a:solidFill>
-                  <a:schemeClr val="tx1"/>
-                </a:solidFill>
-                <a:latin typeface="+mn-lt"/>
-                <a:ea typeface="+mn-ea"/>
-                <a:cs typeface="+mn-cs"/>
-              </a:defRPr>
-            </a:lvl4pPr>
-            <a:lvl5pPr marL="1828800" indent="0" algn="ctr" defTabSz="914400" rtl="0" eaLnBrk="1" latinLnBrk="0" hangingPunct="1">
-              <a:lnSpc>
-                <a:spcPct val="90000"/>
-              </a:lnSpc>
-              <a:spcBef>
-                <a:spcPts val="500"/>
-              </a:spcBef>
-              <a:buFont typeface="Arial" panose="020B0604020202020204" pitchFamily="34" charset="0"/>
-              <a:buNone/>
-              <a:defRPr sz="1600" kern="1200">
-                <a:solidFill>
-                  <a:schemeClr val="tx1"/>
-                </a:solidFill>
-                <a:latin typeface="+mn-lt"/>
-                <a:ea typeface="+mn-ea"/>
-                <a:cs typeface="+mn-cs"/>
-              </a:defRPr>
-            </a:lvl5pPr>
-            <a:lvl6pPr marL="2286000" indent="0" algn="ctr" defTabSz="914400" rtl="0" eaLnBrk="1" latinLnBrk="0" hangingPunct="1">
-              <a:lnSpc>
-                <a:spcPct val="90000"/>
-              </a:lnSpc>
-              <a:spcBef>
-                <a:spcPts val="500"/>
-              </a:spcBef>
-              <a:buFont typeface="Arial" panose="020B0604020202020204" pitchFamily="34" charset="0"/>
-              <a:buNone/>
-              <a:defRPr sz="1600" kern="1200">
-                <a:solidFill>
-                  <a:schemeClr val="tx1"/>
-                </a:solidFill>
-                <a:latin typeface="+mn-lt"/>
-                <a:ea typeface="+mn-ea"/>
-                <a:cs typeface="+mn-cs"/>
-              </a:defRPr>
-            </a:lvl6pPr>
-            <a:lvl7pPr marL="2743200" indent="0" algn="ctr" defTabSz="914400" rtl="0" eaLnBrk="1" latinLnBrk="0" hangingPunct="1">
-              <a:lnSpc>
-                <a:spcPct val="90000"/>
-              </a:lnSpc>
-              <a:spcBef>
-                <a:spcPts val="500"/>
-              </a:spcBef>
-              <a:buFont typeface="Arial" panose="020B0604020202020204" pitchFamily="34" charset="0"/>
-              <a:buNone/>
-              <a:defRPr sz="1600" kern="1200">
-                <a:solidFill>
-                  <a:schemeClr val="tx1"/>
-                </a:solidFill>
-                <a:latin typeface="+mn-lt"/>
-                <a:ea typeface="+mn-ea"/>
-                <a:cs typeface="+mn-cs"/>
-              </a:defRPr>
-            </a:lvl7pPr>
-            <a:lvl8pPr marL="3200400" indent="0" algn="ctr" defTabSz="914400" rtl="0" eaLnBrk="1" latinLnBrk="0" hangingPunct="1">
-              <a:lnSpc>
-                <a:spcPct val="90000"/>
-              </a:lnSpc>
-              <a:spcBef>
-                <a:spcPts val="500"/>
-              </a:spcBef>
-              <a:buFont typeface="Arial" panose="020B0604020202020204" pitchFamily="34" charset="0"/>
-              <a:buNone/>
-              <a:defRPr sz="1600" kern="1200">
-                <a:solidFill>
-                  <a:schemeClr val="tx1"/>
-                </a:solidFill>
-                <a:latin typeface="+mn-lt"/>
-                <a:ea typeface="+mn-ea"/>
-                <a:cs typeface="+mn-cs"/>
-              </a:defRPr>
-            </a:lvl8pPr>
-            <a:lvl9pPr marL="3657600" indent="0" algn="ctr" defTabSz="914400" rtl="0" eaLnBrk="1" latinLnBrk="0" hangingPunct="1">
-              <a:lnSpc>
-                <a:spcPct val="90000"/>
-              </a:lnSpc>
-              <a:spcBef>
-                <a:spcPts val="500"/>
-              </a:spcBef>
-              <a:buFont typeface="Arial" panose="020B0604020202020204" pitchFamily="34" charset="0"/>
-              <a:buNone/>
-              <a:defRPr sz="1600" kern="1200">
-                <a:solidFill>
-                  <a:schemeClr val="tx1"/>
-                </a:solidFill>
-                <a:latin typeface="+mn-lt"/>
-                <a:ea typeface="+mn-ea"/>
-                <a:cs typeface="+mn-cs"/>
-              </a:defRPr>
-            </a:lvl9pPr>
-          </a:lstStyle>
-          <a:p>
-            <a:r>
-              <a:rPr lang="en-US" dirty="0">
-                <a:solidFill>
-                  <a:schemeClr val="accent5"/>
-                </a:solidFill>
-                <a:latin typeface="Helvetica" panose="020B0604020202020204" pitchFamily="34" charset="0"/>
-                <a:cs typeface="Helvetica" panose="020B0604020202020204" pitchFamily="34" charset="0"/>
-              </a:rPr>
-              <a:t>KMeans Clustering:</a:t>
-            </a:r>
-            <a:endParaRPr lang="en-US" sz="2000" dirty="0">
-              <a:solidFill>
-                <a:schemeClr val="accent5"/>
-              </a:solidFill>
-              <a:latin typeface="Helvetica" panose="020B0604020202020204" pitchFamily="34" charset="0"/>
-              <a:cs typeface="Helvetica" panose="020B0604020202020204" pitchFamily="34" charset="0"/>
-            </a:endParaRPr>
-          </a:p>
-          <a:p>
-            <a:endParaRPr lang="en-CA" dirty="0">
-              <a:solidFill>
-                <a:schemeClr val="accent5"/>
-              </a:solidFill>
-              <a:latin typeface="Helvetica" panose="020B0604020202020204" pitchFamily="34" charset="0"/>
-              <a:cs typeface="Helvetica" panose="020B0604020202020204" pitchFamily="34" charset="0"/>
-            </a:endParaRPr>
-          </a:p>
-        </p:txBody>
-      </p:sp>
-      <p:pic>
-        <p:nvPicPr>
-          <p:cNvPr id="2056" name="Picture 8" descr="https://upload.wikimedia.org/wikipedia/commons/thumb/5/5e/K_Means_Example_Step_1.svg/124px-K_Means_Example_Step_1.svg.png">
-            <a:extLst>
-              <a:ext uri="{FF2B5EF4-FFF2-40B4-BE49-F238E27FC236}">
-                <a16:creationId xmlns:a16="http://schemas.microsoft.com/office/drawing/2014/main" id="{4410EEF1-7445-4587-A9CA-B49BF7F99CDD}"/>
-              </a:ext>
-            </a:extLst>
-          </p:cNvPr>
-          <p:cNvPicPr>
-            <a:picLocks noChangeAspect="1" noChangeArrowheads="1"/>
-          </p:cNvPicPr>
-          <p:nvPr/>
-        </p:nvPicPr>
-        <p:blipFill>
-          <a:blip r:embed="rId2">
-            <a:extLst>
-              <a:ext uri="{28A0092B-C50C-407E-A947-70E740481C1C}">
-                <a14:useLocalDpi xmlns:a14="http://schemas.microsoft.com/office/drawing/2010/main" val="0"/>
-              </a:ext>
-            </a:extLst>
-          </a:blip>
-          <a:srcRect/>
-          <a:stretch>
-            <a:fillRect/>
-          </a:stretch>
-        </p:blipFill>
-        <p:spPr bwMode="auto">
-          <a:xfrm>
-            <a:off x="5040969" y="4444514"/>
-            <a:ext cx="1181100" cy="1143000"/>
-          </a:xfrm>
-          <a:prstGeom prst="rect">
-            <a:avLst/>
-          </a:prstGeom>
-          <a:noFill/>
-          <a:extLst>
-            <a:ext uri="{909E8E84-426E-40DD-AFC4-6F175D3DCCD1}">
-              <a14:hiddenFill xmlns:a14="http://schemas.microsoft.com/office/drawing/2010/main">
-                <a:solidFill>
-                  <a:srgbClr val="FFFFFF"/>
-                </a:solidFill>
-              </a14:hiddenFill>
-            </a:ext>
-          </a:extLst>
-        </p:spPr>
-      </p:pic>
-      <p:pic>
-        <p:nvPicPr>
-          <p:cNvPr id="2058" name="Picture 10" descr="https://upload.wikimedia.org/wikipedia/commons/thumb/a/a5/K_Means_Example_Step_2.svg/139px-K_Means_Example_Step_2.svg.png">
-            <a:extLst>
-              <a:ext uri="{FF2B5EF4-FFF2-40B4-BE49-F238E27FC236}">
-                <a16:creationId xmlns:a16="http://schemas.microsoft.com/office/drawing/2014/main" id="{6AC37086-57DE-4320-928C-13A8540CC0A3}"/>
-              </a:ext>
-            </a:extLst>
-          </p:cNvPr>
-          <p:cNvPicPr>
-            <a:picLocks noChangeAspect="1" noChangeArrowheads="1"/>
-          </p:cNvPicPr>
-          <p:nvPr/>
-        </p:nvPicPr>
-        <p:blipFill>
-          <a:blip r:embed="rId3">
-            <a:extLst>
-              <a:ext uri="{28A0092B-C50C-407E-A947-70E740481C1C}">
-                <a14:useLocalDpi xmlns:a14="http://schemas.microsoft.com/office/drawing/2010/main" val="0"/>
-              </a:ext>
-            </a:extLst>
-          </a:blip>
-          <a:srcRect/>
-          <a:stretch>
-            <a:fillRect/>
-          </a:stretch>
-        </p:blipFill>
-        <p:spPr bwMode="auto">
-          <a:xfrm>
-            <a:off x="7127997" y="4469863"/>
-            <a:ext cx="1323975" cy="1143000"/>
-          </a:xfrm>
-          <a:prstGeom prst="rect">
-            <a:avLst/>
-          </a:prstGeom>
-          <a:noFill/>
-          <a:extLst>
-            <a:ext uri="{909E8E84-426E-40DD-AFC4-6F175D3DCCD1}">
-              <a14:hiddenFill xmlns:a14="http://schemas.microsoft.com/office/drawing/2010/main">
-                <a:solidFill>
-                  <a:srgbClr val="FFFFFF"/>
-                </a:solidFill>
-              </a14:hiddenFill>
-            </a:ext>
-          </a:extLst>
-        </p:spPr>
-      </p:pic>
-      <p:pic>
-        <p:nvPicPr>
-          <p:cNvPr id="2060" name="Picture 12" descr="https://upload.wikimedia.org/wikipedia/commons/thumb/3/3e/K_Means_Example_Step_3.svg/139px-K_Means_Example_Step_3.svg.png">
-            <a:extLst>
-              <a:ext uri="{FF2B5EF4-FFF2-40B4-BE49-F238E27FC236}">
-                <a16:creationId xmlns:a16="http://schemas.microsoft.com/office/drawing/2014/main" id="{C64FF94D-2A05-4320-BB7E-D91137A1B878}"/>
-              </a:ext>
-            </a:extLst>
-          </p:cNvPr>
-          <p:cNvPicPr>
-            <a:picLocks noChangeAspect="1" noChangeArrowheads="1"/>
-          </p:cNvPicPr>
-          <p:nvPr/>
-        </p:nvPicPr>
-        <p:blipFill>
-          <a:blip r:embed="rId4">
-            <a:extLst>
-              <a:ext uri="{28A0092B-C50C-407E-A947-70E740481C1C}">
-                <a14:useLocalDpi xmlns:a14="http://schemas.microsoft.com/office/drawing/2010/main" val="0"/>
-              </a:ext>
-            </a:extLst>
-          </a:blip>
-          <a:srcRect/>
-          <a:stretch>
-            <a:fillRect/>
-          </a:stretch>
-        </p:blipFill>
-        <p:spPr bwMode="auto">
-          <a:xfrm>
-            <a:off x="8985739" y="4425827"/>
-            <a:ext cx="1323975" cy="1143000"/>
-          </a:xfrm>
-          <a:prstGeom prst="rect">
-            <a:avLst/>
-          </a:prstGeom>
-          <a:noFill/>
-          <a:extLst>
-            <a:ext uri="{909E8E84-426E-40DD-AFC4-6F175D3DCCD1}">
-              <a14:hiddenFill xmlns:a14="http://schemas.microsoft.com/office/drawing/2010/main">
-                <a:solidFill>
-                  <a:srgbClr val="FFFFFF"/>
-                </a:solidFill>
-              </a14:hiddenFill>
-            </a:ext>
-          </a:extLst>
-        </p:spPr>
-      </p:pic>
-      <p:sp>
-        <p:nvSpPr>
-          <p:cNvPr id="15" name="Subtitle 2">
-            <a:extLst>
-              <a:ext uri="{FF2B5EF4-FFF2-40B4-BE49-F238E27FC236}">
-                <a16:creationId xmlns:a16="http://schemas.microsoft.com/office/drawing/2014/main" id="{522F9A2B-3F01-41B5-8272-63DF5E503120}"/>
-              </a:ext>
-            </a:extLst>
-          </p:cNvPr>
-          <p:cNvSpPr txBox="1">
-            <a:spLocks/>
-          </p:cNvSpPr>
-          <p:nvPr/>
-        </p:nvSpPr>
-        <p:spPr>
-          <a:xfrm>
-            <a:off x="7789985" y="6131336"/>
-            <a:ext cx="3289788" cy="256876"/>
-          </a:xfrm>
-          <a:prstGeom prst="rect">
-            <a:avLst/>
-          </a:prstGeom>
-        </p:spPr>
-        <p:txBody>
-          <a:bodyPr vert="horz" lIns="91440" tIns="45720" rIns="91440" bIns="45720" rtlCol="0">
-            <a:normAutofit fontScale="92500" lnSpcReduction="10000"/>
-          </a:bodyPr>
-          <a:lstStyle>
-            <a:lvl1pPr marL="0" indent="0" algn="ctr" defTabSz="914400" rtl="0" eaLnBrk="1" latinLnBrk="0" hangingPunct="1">
-              <a:lnSpc>
-                <a:spcPct val="90000"/>
-              </a:lnSpc>
-              <a:spcBef>
-                <a:spcPts val="1000"/>
-              </a:spcBef>
-              <a:buFont typeface="Arial" panose="020B0604020202020204" pitchFamily="34" charset="0"/>
-              <a:buNone/>
-              <a:defRPr sz="2400" kern="1200">
-                <a:solidFill>
-                  <a:schemeClr val="tx1"/>
-                </a:solidFill>
-                <a:latin typeface="+mn-lt"/>
-                <a:ea typeface="+mn-ea"/>
-                <a:cs typeface="+mn-cs"/>
-              </a:defRPr>
-            </a:lvl1pPr>
-            <a:lvl2pPr marL="457200" indent="0" algn="ctr" defTabSz="914400" rtl="0" eaLnBrk="1" latinLnBrk="0" hangingPunct="1">
-              <a:lnSpc>
-                <a:spcPct val="90000"/>
-              </a:lnSpc>
-              <a:spcBef>
-                <a:spcPts val="500"/>
-              </a:spcBef>
-              <a:buFont typeface="Arial" panose="020B0604020202020204" pitchFamily="34" charset="0"/>
-              <a:buNone/>
-              <a:defRPr sz="2000" kern="1200">
-                <a:solidFill>
-                  <a:schemeClr val="tx1"/>
-                </a:solidFill>
-                <a:latin typeface="+mn-lt"/>
-                <a:ea typeface="+mn-ea"/>
-                <a:cs typeface="+mn-cs"/>
-              </a:defRPr>
-            </a:lvl2pPr>
-            <a:lvl3pPr marL="914400" indent="0" algn="ctr" defTabSz="914400" rtl="0" eaLnBrk="1" latinLnBrk="0" hangingPunct="1">
-              <a:lnSpc>
-                <a:spcPct val="90000"/>
-              </a:lnSpc>
-              <a:spcBef>
-                <a:spcPts val="500"/>
-              </a:spcBef>
-              <a:buFont typeface="Arial" panose="020B0604020202020204" pitchFamily="34" charset="0"/>
-              <a:buNone/>
-              <a:defRPr sz="1800" kern="1200">
-                <a:solidFill>
-                  <a:schemeClr val="tx1"/>
-                </a:solidFill>
-                <a:latin typeface="+mn-lt"/>
-                <a:ea typeface="+mn-ea"/>
-                <a:cs typeface="+mn-cs"/>
-              </a:defRPr>
-            </a:lvl3pPr>
-            <a:lvl4pPr marL="1371600" indent="0" algn="ctr" defTabSz="914400" rtl="0" eaLnBrk="1" latinLnBrk="0" hangingPunct="1">
-              <a:lnSpc>
-                <a:spcPct val="90000"/>
-              </a:lnSpc>
-              <a:spcBef>
-                <a:spcPts val="500"/>
-              </a:spcBef>
-              <a:buFont typeface="Arial" panose="020B0604020202020204" pitchFamily="34" charset="0"/>
-              <a:buNone/>
-              <a:defRPr sz="1600" kern="1200">
-                <a:solidFill>
-                  <a:schemeClr val="tx1"/>
-                </a:solidFill>
-                <a:latin typeface="+mn-lt"/>
-                <a:ea typeface="+mn-ea"/>
-                <a:cs typeface="+mn-cs"/>
-              </a:defRPr>
-            </a:lvl4pPr>
-            <a:lvl5pPr marL="1828800" indent="0" algn="ctr" defTabSz="914400" rtl="0" eaLnBrk="1" latinLnBrk="0" hangingPunct="1">
-              <a:lnSpc>
-                <a:spcPct val="90000"/>
-              </a:lnSpc>
-              <a:spcBef>
-                <a:spcPts val="500"/>
-              </a:spcBef>
-              <a:buFont typeface="Arial" panose="020B0604020202020204" pitchFamily="34" charset="0"/>
-              <a:buNone/>
-              <a:defRPr sz="1600" kern="1200">
-                <a:solidFill>
-                  <a:schemeClr val="tx1"/>
-                </a:solidFill>
-                <a:latin typeface="+mn-lt"/>
-                <a:ea typeface="+mn-ea"/>
-                <a:cs typeface="+mn-cs"/>
-              </a:defRPr>
-            </a:lvl5pPr>
-            <a:lvl6pPr marL="2286000" indent="0" algn="ctr" defTabSz="914400" rtl="0" eaLnBrk="1" latinLnBrk="0" hangingPunct="1">
-              <a:lnSpc>
-                <a:spcPct val="90000"/>
-              </a:lnSpc>
-              <a:spcBef>
-                <a:spcPts val="500"/>
-              </a:spcBef>
-              <a:buFont typeface="Arial" panose="020B0604020202020204" pitchFamily="34" charset="0"/>
-              <a:buNone/>
-              <a:defRPr sz="1600" kern="1200">
-                <a:solidFill>
-                  <a:schemeClr val="tx1"/>
-                </a:solidFill>
-                <a:latin typeface="+mn-lt"/>
-                <a:ea typeface="+mn-ea"/>
-                <a:cs typeface="+mn-cs"/>
-              </a:defRPr>
-            </a:lvl6pPr>
-            <a:lvl7pPr marL="2743200" indent="0" algn="ctr" defTabSz="914400" rtl="0" eaLnBrk="1" latinLnBrk="0" hangingPunct="1">
-              <a:lnSpc>
-                <a:spcPct val="90000"/>
-              </a:lnSpc>
-              <a:spcBef>
-                <a:spcPts val="500"/>
-              </a:spcBef>
-              <a:buFont typeface="Arial" panose="020B0604020202020204" pitchFamily="34" charset="0"/>
-              <a:buNone/>
-              <a:defRPr sz="1600" kern="1200">
-                <a:solidFill>
-                  <a:schemeClr val="tx1"/>
-                </a:solidFill>
-                <a:latin typeface="+mn-lt"/>
-                <a:ea typeface="+mn-ea"/>
-                <a:cs typeface="+mn-cs"/>
-              </a:defRPr>
-            </a:lvl7pPr>
-            <a:lvl8pPr marL="3200400" indent="0" algn="ctr" defTabSz="914400" rtl="0" eaLnBrk="1" latinLnBrk="0" hangingPunct="1">
-              <a:lnSpc>
-                <a:spcPct val="90000"/>
-              </a:lnSpc>
-              <a:spcBef>
-                <a:spcPts val="500"/>
-              </a:spcBef>
-              <a:buFont typeface="Arial" panose="020B0604020202020204" pitchFamily="34" charset="0"/>
-              <a:buNone/>
-              <a:defRPr sz="1600" kern="1200">
-                <a:solidFill>
-                  <a:schemeClr val="tx1"/>
-                </a:solidFill>
-                <a:latin typeface="+mn-lt"/>
-                <a:ea typeface="+mn-ea"/>
-                <a:cs typeface="+mn-cs"/>
-              </a:defRPr>
-            </a:lvl8pPr>
-            <a:lvl9pPr marL="3657600" indent="0" algn="ctr" defTabSz="914400" rtl="0" eaLnBrk="1" latinLnBrk="0" hangingPunct="1">
-              <a:lnSpc>
-                <a:spcPct val="90000"/>
-              </a:lnSpc>
-              <a:spcBef>
-                <a:spcPts val="500"/>
-              </a:spcBef>
-              <a:buFont typeface="Arial" panose="020B0604020202020204" pitchFamily="34" charset="0"/>
-              <a:buNone/>
-              <a:defRPr sz="1600" kern="1200">
-                <a:solidFill>
-                  <a:schemeClr val="tx1"/>
-                </a:solidFill>
-                <a:latin typeface="+mn-lt"/>
-                <a:ea typeface="+mn-ea"/>
-                <a:cs typeface="+mn-cs"/>
-              </a:defRPr>
-            </a:lvl9pPr>
-          </a:lstStyle>
-          <a:p>
-            <a:r>
-              <a:rPr lang="en-US" sz="1400" dirty="0">
-                <a:solidFill>
-                  <a:schemeClr val="accent5"/>
-                </a:solidFill>
-                <a:latin typeface="Helvetica" panose="020B0604020202020204" pitchFamily="34" charset="0"/>
-                <a:cs typeface="Helvetica" panose="020B0604020202020204" pitchFamily="34" charset="0"/>
-              </a:rPr>
-              <a:t>wikipedia.org/wiki/K-means_clustering</a:t>
-            </a:r>
-            <a:endParaRPr lang="en-CA" sz="1400" dirty="0">
-              <a:solidFill>
-                <a:schemeClr val="accent5"/>
-              </a:solidFill>
-              <a:latin typeface="Helvetica" panose="020B0604020202020204" pitchFamily="34" charset="0"/>
-              <a:cs typeface="Helvetica" panose="020B0604020202020204" pitchFamily="34" charset="0"/>
-            </a:endParaRPr>
-          </a:p>
-        </p:txBody>
-      </p:sp>
-      <p:sp>
-        <p:nvSpPr>
-          <p:cNvPr id="16" name="Subtitle 2">
-            <a:extLst>
-              <a:ext uri="{FF2B5EF4-FFF2-40B4-BE49-F238E27FC236}">
-                <a16:creationId xmlns:a16="http://schemas.microsoft.com/office/drawing/2014/main" id="{D5A59DB4-FA4A-4F59-A0A8-7C08B1AA655A}"/>
-              </a:ext>
-            </a:extLst>
-          </p:cNvPr>
-          <p:cNvSpPr txBox="1">
-            <a:spLocks/>
-          </p:cNvSpPr>
-          <p:nvPr/>
-        </p:nvSpPr>
-        <p:spPr>
-          <a:xfrm>
-            <a:off x="4547965" y="4116301"/>
-            <a:ext cx="2120957" cy="271336"/>
-          </a:xfrm>
-          <a:prstGeom prst="rect">
-            <a:avLst/>
-          </a:prstGeom>
-        </p:spPr>
-        <p:txBody>
-          <a:bodyPr vert="horz" lIns="91440" tIns="45720" rIns="91440" bIns="45720" rtlCol="0">
-            <a:normAutofit lnSpcReduction="10000"/>
-          </a:bodyPr>
-          <a:lstStyle>
-            <a:lvl1pPr marL="0" indent="0" algn="ctr" defTabSz="914400" rtl="0" eaLnBrk="1" latinLnBrk="0" hangingPunct="1">
-              <a:lnSpc>
-                <a:spcPct val="90000"/>
-              </a:lnSpc>
-              <a:spcBef>
-                <a:spcPts val="1000"/>
-              </a:spcBef>
-              <a:buFont typeface="Arial" panose="020B0604020202020204" pitchFamily="34" charset="0"/>
-              <a:buNone/>
-              <a:defRPr sz="2400" kern="1200">
-                <a:solidFill>
-                  <a:schemeClr val="tx1"/>
-                </a:solidFill>
-                <a:latin typeface="+mn-lt"/>
-                <a:ea typeface="+mn-ea"/>
-                <a:cs typeface="+mn-cs"/>
-              </a:defRPr>
-            </a:lvl1pPr>
-            <a:lvl2pPr marL="457200" indent="0" algn="ctr" defTabSz="914400" rtl="0" eaLnBrk="1" latinLnBrk="0" hangingPunct="1">
-              <a:lnSpc>
-                <a:spcPct val="90000"/>
-              </a:lnSpc>
-              <a:spcBef>
-                <a:spcPts val="500"/>
-              </a:spcBef>
-              <a:buFont typeface="Arial" panose="020B0604020202020204" pitchFamily="34" charset="0"/>
-              <a:buNone/>
-              <a:defRPr sz="2000" kern="1200">
-                <a:solidFill>
-                  <a:schemeClr val="tx1"/>
-                </a:solidFill>
-                <a:latin typeface="+mn-lt"/>
-                <a:ea typeface="+mn-ea"/>
-                <a:cs typeface="+mn-cs"/>
-              </a:defRPr>
-            </a:lvl2pPr>
-            <a:lvl3pPr marL="914400" indent="0" algn="ctr" defTabSz="914400" rtl="0" eaLnBrk="1" latinLnBrk="0" hangingPunct="1">
-              <a:lnSpc>
-                <a:spcPct val="90000"/>
-              </a:lnSpc>
-              <a:spcBef>
-                <a:spcPts val="500"/>
-              </a:spcBef>
-              <a:buFont typeface="Arial" panose="020B0604020202020204" pitchFamily="34" charset="0"/>
-              <a:buNone/>
-              <a:defRPr sz="1800" kern="1200">
-                <a:solidFill>
-                  <a:schemeClr val="tx1"/>
-                </a:solidFill>
-                <a:latin typeface="+mn-lt"/>
-                <a:ea typeface="+mn-ea"/>
-                <a:cs typeface="+mn-cs"/>
-              </a:defRPr>
-            </a:lvl3pPr>
-            <a:lvl4pPr marL="1371600" indent="0" algn="ctr" defTabSz="914400" rtl="0" eaLnBrk="1" latinLnBrk="0" hangingPunct="1">
-              <a:lnSpc>
-                <a:spcPct val="90000"/>
-              </a:lnSpc>
-              <a:spcBef>
-                <a:spcPts val="500"/>
-              </a:spcBef>
-              <a:buFont typeface="Arial" panose="020B0604020202020204" pitchFamily="34" charset="0"/>
-              <a:buNone/>
-              <a:defRPr sz="1600" kern="1200">
-                <a:solidFill>
-                  <a:schemeClr val="tx1"/>
-                </a:solidFill>
-                <a:latin typeface="+mn-lt"/>
-                <a:ea typeface="+mn-ea"/>
-                <a:cs typeface="+mn-cs"/>
-              </a:defRPr>
-            </a:lvl4pPr>
-            <a:lvl5pPr marL="1828800" indent="0" algn="ctr" defTabSz="914400" rtl="0" eaLnBrk="1" latinLnBrk="0" hangingPunct="1">
-              <a:lnSpc>
-                <a:spcPct val="90000"/>
-              </a:lnSpc>
-              <a:spcBef>
-                <a:spcPts val="500"/>
-              </a:spcBef>
-              <a:buFont typeface="Arial" panose="020B0604020202020204" pitchFamily="34" charset="0"/>
-              <a:buNone/>
-              <a:defRPr sz="1600" kern="1200">
-                <a:solidFill>
-                  <a:schemeClr val="tx1"/>
-                </a:solidFill>
-                <a:latin typeface="+mn-lt"/>
-                <a:ea typeface="+mn-ea"/>
-                <a:cs typeface="+mn-cs"/>
-              </a:defRPr>
-            </a:lvl5pPr>
-            <a:lvl6pPr marL="2286000" indent="0" algn="ctr" defTabSz="914400" rtl="0" eaLnBrk="1" latinLnBrk="0" hangingPunct="1">
-              <a:lnSpc>
-                <a:spcPct val="90000"/>
-              </a:lnSpc>
-              <a:spcBef>
-                <a:spcPts val="500"/>
-              </a:spcBef>
-              <a:buFont typeface="Arial" panose="020B0604020202020204" pitchFamily="34" charset="0"/>
-              <a:buNone/>
-              <a:defRPr sz="1600" kern="1200">
-                <a:solidFill>
-                  <a:schemeClr val="tx1"/>
-                </a:solidFill>
-                <a:latin typeface="+mn-lt"/>
-                <a:ea typeface="+mn-ea"/>
-                <a:cs typeface="+mn-cs"/>
-              </a:defRPr>
-            </a:lvl6pPr>
-            <a:lvl7pPr marL="2743200" indent="0" algn="ctr" defTabSz="914400" rtl="0" eaLnBrk="1" latinLnBrk="0" hangingPunct="1">
-              <a:lnSpc>
-                <a:spcPct val="90000"/>
-              </a:lnSpc>
-              <a:spcBef>
-                <a:spcPts val="500"/>
-              </a:spcBef>
-              <a:buFont typeface="Arial" panose="020B0604020202020204" pitchFamily="34" charset="0"/>
-              <a:buNone/>
-              <a:defRPr sz="1600" kern="1200">
-                <a:solidFill>
-                  <a:schemeClr val="tx1"/>
-                </a:solidFill>
-                <a:latin typeface="+mn-lt"/>
-                <a:ea typeface="+mn-ea"/>
-                <a:cs typeface="+mn-cs"/>
-              </a:defRPr>
-            </a:lvl7pPr>
-            <a:lvl8pPr marL="3200400" indent="0" algn="ctr" defTabSz="914400" rtl="0" eaLnBrk="1" latinLnBrk="0" hangingPunct="1">
-              <a:lnSpc>
-                <a:spcPct val="90000"/>
-              </a:lnSpc>
-              <a:spcBef>
-                <a:spcPts val="500"/>
-              </a:spcBef>
-              <a:buFont typeface="Arial" panose="020B0604020202020204" pitchFamily="34" charset="0"/>
-              <a:buNone/>
-              <a:defRPr sz="1600" kern="1200">
-                <a:solidFill>
-                  <a:schemeClr val="tx1"/>
-                </a:solidFill>
-                <a:latin typeface="+mn-lt"/>
-                <a:ea typeface="+mn-ea"/>
-                <a:cs typeface="+mn-cs"/>
-              </a:defRPr>
-            </a:lvl8pPr>
-            <a:lvl9pPr marL="3657600" indent="0" algn="ctr" defTabSz="914400" rtl="0" eaLnBrk="1" latinLnBrk="0" hangingPunct="1">
-              <a:lnSpc>
-                <a:spcPct val="90000"/>
-              </a:lnSpc>
-              <a:spcBef>
-                <a:spcPts val="500"/>
-              </a:spcBef>
-              <a:buFont typeface="Arial" panose="020B0604020202020204" pitchFamily="34" charset="0"/>
-              <a:buNone/>
-              <a:defRPr sz="1600" kern="1200">
-                <a:solidFill>
-                  <a:schemeClr val="tx1"/>
-                </a:solidFill>
-                <a:latin typeface="+mn-lt"/>
-                <a:ea typeface="+mn-ea"/>
-                <a:cs typeface="+mn-cs"/>
-              </a:defRPr>
-            </a:lvl9pPr>
-          </a:lstStyle>
-          <a:p>
-            <a:r>
-              <a:rPr lang="en-US" sz="1400" dirty="0">
-                <a:solidFill>
-                  <a:schemeClr val="accent5"/>
-                </a:solidFill>
-                <a:latin typeface="Helvetica" panose="020B0604020202020204" pitchFamily="34" charset="0"/>
-                <a:cs typeface="Helvetica" panose="020B0604020202020204" pitchFamily="34" charset="0"/>
-              </a:rPr>
-              <a:t>1. Random Initialization</a:t>
-            </a:r>
-            <a:endParaRPr lang="en-CA" sz="1400" dirty="0">
-              <a:solidFill>
-                <a:schemeClr val="accent5"/>
-              </a:solidFill>
-              <a:latin typeface="Helvetica" panose="020B0604020202020204" pitchFamily="34" charset="0"/>
-              <a:cs typeface="Helvetica" panose="020B0604020202020204" pitchFamily="34" charset="0"/>
-            </a:endParaRPr>
-          </a:p>
-        </p:txBody>
-      </p:sp>
-      <p:sp>
-        <p:nvSpPr>
-          <p:cNvPr id="17" name="Subtitle 2">
-            <a:extLst>
-              <a:ext uri="{FF2B5EF4-FFF2-40B4-BE49-F238E27FC236}">
-                <a16:creationId xmlns:a16="http://schemas.microsoft.com/office/drawing/2014/main" id="{3FCEC9B8-0EBE-46DB-B07C-A5C50EE063D6}"/>
-              </a:ext>
-            </a:extLst>
-          </p:cNvPr>
-          <p:cNvSpPr txBox="1">
-            <a:spLocks/>
-          </p:cNvSpPr>
-          <p:nvPr/>
-        </p:nvSpPr>
-        <p:spPr>
-          <a:xfrm>
-            <a:off x="4715247" y="5602837"/>
-            <a:ext cx="1997676" cy="487386"/>
-          </a:xfrm>
-          <a:prstGeom prst="rect">
-            <a:avLst/>
-          </a:prstGeom>
-        </p:spPr>
-        <p:txBody>
-          <a:bodyPr vert="horz" lIns="91440" tIns="45720" rIns="91440" bIns="45720" rtlCol="0">
-            <a:normAutofit fontScale="85000" lnSpcReduction="10000"/>
-          </a:bodyPr>
-          <a:lstStyle>
-            <a:lvl1pPr marL="0" indent="0" algn="ctr" defTabSz="914400" rtl="0" eaLnBrk="1" latinLnBrk="0" hangingPunct="1">
-              <a:lnSpc>
-                <a:spcPct val="90000"/>
-              </a:lnSpc>
-              <a:spcBef>
-                <a:spcPts val="1000"/>
-              </a:spcBef>
-              <a:buFont typeface="Arial" panose="020B0604020202020204" pitchFamily="34" charset="0"/>
-              <a:buNone/>
-              <a:defRPr sz="2400" kern="1200">
-                <a:solidFill>
-                  <a:schemeClr val="tx1"/>
-                </a:solidFill>
-                <a:latin typeface="+mn-lt"/>
-                <a:ea typeface="+mn-ea"/>
-                <a:cs typeface="+mn-cs"/>
-              </a:defRPr>
-            </a:lvl1pPr>
-            <a:lvl2pPr marL="457200" indent="0" algn="ctr" defTabSz="914400" rtl="0" eaLnBrk="1" latinLnBrk="0" hangingPunct="1">
-              <a:lnSpc>
-                <a:spcPct val="90000"/>
-              </a:lnSpc>
-              <a:spcBef>
-                <a:spcPts val="500"/>
-              </a:spcBef>
-              <a:buFont typeface="Arial" panose="020B0604020202020204" pitchFamily="34" charset="0"/>
-              <a:buNone/>
-              <a:defRPr sz="2000" kern="1200">
-                <a:solidFill>
-                  <a:schemeClr val="tx1"/>
-                </a:solidFill>
-                <a:latin typeface="+mn-lt"/>
-                <a:ea typeface="+mn-ea"/>
-                <a:cs typeface="+mn-cs"/>
-              </a:defRPr>
-            </a:lvl2pPr>
-            <a:lvl3pPr marL="914400" indent="0" algn="ctr" defTabSz="914400" rtl="0" eaLnBrk="1" latinLnBrk="0" hangingPunct="1">
-              <a:lnSpc>
-                <a:spcPct val="90000"/>
-              </a:lnSpc>
-              <a:spcBef>
-                <a:spcPts val="500"/>
-              </a:spcBef>
-              <a:buFont typeface="Arial" panose="020B0604020202020204" pitchFamily="34" charset="0"/>
-              <a:buNone/>
-              <a:defRPr sz="1800" kern="1200">
-                <a:solidFill>
-                  <a:schemeClr val="tx1"/>
-                </a:solidFill>
-                <a:latin typeface="+mn-lt"/>
-                <a:ea typeface="+mn-ea"/>
-                <a:cs typeface="+mn-cs"/>
-              </a:defRPr>
-            </a:lvl3pPr>
-            <a:lvl4pPr marL="1371600" indent="0" algn="ctr" defTabSz="914400" rtl="0" eaLnBrk="1" latinLnBrk="0" hangingPunct="1">
-              <a:lnSpc>
-                <a:spcPct val="90000"/>
-              </a:lnSpc>
-              <a:spcBef>
-                <a:spcPts val="500"/>
-              </a:spcBef>
-              <a:buFont typeface="Arial" panose="020B0604020202020204" pitchFamily="34" charset="0"/>
-              <a:buNone/>
-              <a:defRPr sz="1600" kern="1200">
-                <a:solidFill>
-                  <a:schemeClr val="tx1"/>
-                </a:solidFill>
-                <a:latin typeface="+mn-lt"/>
-                <a:ea typeface="+mn-ea"/>
-                <a:cs typeface="+mn-cs"/>
-              </a:defRPr>
-            </a:lvl4pPr>
-            <a:lvl5pPr marL="1828800" indent="0" algn="ctr" defTabSz="914400" rtl="0" eaLnBrk="1" latinLnBrk="0" hangingPunct="1">
-              <a:lnSpc>
-                <a:spcPct val="90000"/>
-              </a:lnSpc>
-              <a:spcBef>
-                <a:spcPts val="500"/>
-              </a:spcBef>
-              <a:buFont typeface="Arial" panose="020B0604020202020204" pitchFamily="34" charset="0"/>
-              <a:buNone/>
-              <a:defRPr sz="1600" kern="1200">
-                <a:solidFill>
-                  <a:schemeClr val="tx1"/>
-                </a:solidFill>
-                <a:latin typeface="+mn-lt"/>
-                <a:ea typeface="+mn-ea"/>
-                <a:cs typeface="+mn-cs"/>
-              </a:defRPr>
-            </a:lvl5pPr>
-            <a:lvl6pPr marL="2286000" indent="0" algn="ctr" defTabSz="914400" rtl="0" eaLnBrk="1" latinLnBrk="0" hangingPunct="1">
-              <a:lnSpc>
-                <a:spcPct val="90000"/>
-              </a:lnSpc>
-              <a:spcBef>
-                <a:spcPts val="500"/>
-              </a:spcBef>
-              <a:buFont typeface="Arial" panose="020B0604020202020204" pitchFamily="34" charset="0"/>
-              <a:buNone/>
-              <a:defRPr sz="1600" kern="1200">
-                <a:solidFill>
-                  <a:schemeClr val="tx1"/>
-                </a:solidFill>
-                <a:latin typeface="+mn-lt"/>
-                <a:ea typeface="+mn-ea"/>
-                <a:cs typeface="+mn-cs"/>
-              </a:defRPr>
-            </a:lvl6pPr>
-            <a:lvl7pPr marL="2743200" indent="0" algn="ctr" defTabSz="914400" rtl="0" eaLnBrk="1" latinLnBrk="0" hangingPunct="1">
-              <a:lnSpc>
-                <a:spcPct val="90000"/>
-              </a:lnSpc>
-              <a:spcBef>
-                <a:spcPts val="500"/>
-              </a:spcBef>
-              <a:buFont typeface="Arial" panose="020B0604020202020204" pitchFamily="34" charset="0"/>
-              <a:buNone/>
-              <a:defRPr sz="1600" kern="1200">
-                <a:solidFill>
-                  <a:schemeClr val="tx1"/>
-                </a:solidFill>
-                <a:latin typeface="+mn-lt"/>
-                <a:ea typeface="+mn-ea"/>
-                <a:cs typeface="+mn-cs"/>
-              </a:defRPr>
-            </a:lvl7pPr>
-            <a:lvl8pPr marL="3200400" indent="0" algn="ctr" defTabSz="914400" rtl="0" eaLnBrk="1" latinLnBrk="0" hangingPunct="1">
-              <a:lnSpc>
-                <a:spcPct val="90000"/>
-              </a:lnSpc>
-              <a:spcBef>
-                <a:spcPts val="500"/>
-              </a:spcBef>
-              <a:buFont typeface="Arial" panose="020B0604020202020204" pitchFamily="34" charset="0"/>
-              <a:buNone/>
-              <a:defRPr sz="1600" kern="1200">
-                <a:solidFill>
-                  <a:schemeClr val="tx1"/>
-                </a:solidFill>
-                <a:latin typeface="+mn-lt"/>
-                <a:ea typeface="+mn-ea"/>
-                <a:cs typeface="+mn-cs"/>
-              </a:defRPr>
-            </a:lvl8pPr>
-            <a:lvl9pPr marL="3657600" indent="0" algn="ctr" defTabSz="914400" rtl="0" eaLnBrk="1" latinLnBrk="0" hangingPunct="1">
-              <a:lnSpc>
-                <a:spcPct val="90000"/>
-              </a:lnSpc>
-              <a:spcBef>
-                <a:spcPts val="500"/>
-              </a:spcBef>
-              <a:buFont typeface="Arial" panose="020B0604020202020204" pitchFamily="34" charset="0"/>
-              <a:buNone/>
-              <a:defRPr sz="1600" kern="1200">
-                <a:solidFill>
-                  <a:schemeClr val="tx1"/>
-                </a:solidFill>
-                <a:latin typeface="+mn-lt"/>
-                <a:ea typeface="+mn-ea"/>
-                <a:cs typeface="+mn-cs"/>
-              </a:defRPr>
-            </a:lvl9pPr>
-          </a:lstStyle>
-          <a:p>
-            <a:r>
-              <a:rPr lang="en-US" sz="1400" dirty="0">
-                <a:solidFill>
-                  <a:schemeClr val="accent5"/>
-                </a:solidFill>
-                <a:latin typeface="Helvetica" panose="020B0604020202020204" pitchFamily="34" charset="0"/>
-                <a:cs typeface="Helvetica" panose="020B0604020202020204" pitchFamily="34" charset="0"/>
-              </a:rPr>
-              <a:t>Circles are not datapoints, they are randomly put</a:t>
-            </a:r>
-            <a:endParaRPr lang="en-CA" sz="1400" dirty="0">
-              <a:solidFill>
-                <a:schemeClr val="accent5"/>
-              </a:solidFill>
-              <a:latin typeface="Helvetica" panose="020B0604020202020204" pitchFamily="34" charset="0"/>
-              <a:cs typeface="Helvetica" panose="020B0604020202020204" pitchFamily="34" charset="0"/>
-            </a:endParaRPr>
-          </a:p>
-        </p:txBody>
-      </p:sp>
-      <p:sp>
-        <p:nvSpPr>
-          <p:cNvPr id="18" name="Subtitle 2">
-            <a:extLst>
-              <a:ext uri="{FF2B5EF4-FFF2-40B4-BE49-F238E27FC236}">
-                <a16:creationId xmlns:a16="http://schemas.microsoft.com/office/drawing/2014/main" id="{063E7E82-39AB-4734-9030-F7537B37421F}"/>
-              </a:ext>
-            </a:extLst>
-          </p:cNvPr>
-          <p:cNvSpPr txBox="1">
-            <a:spLocks/>
-          </p:cNvSpPr>
-          <p:nvPr/>
-        </p:nvSpPr>
-        <p:spPr>
-          <a:xfrm>
-            <a:off x="6668922" y="4131624"/>
-            <a:ext cx="2120957" cy="271336"/>
-          </a:xfrm>
-          <a:prstGeom prst="rect">
-            <a:avLst/>
-          </a:prstGeom>
-        </p:spPr>
-        <p:txBody>
-          <a:bodyPr vert="horz" lIns="91440" tIns="45720" rIns="91440" bIns="45720" rtlCol="0">
-            <a:normAutofit lnSpcReduction="10000"/>
-          </a:bodyPr>
-          <a:lstStyle>
-            <a:lvl1pPr marL="0" indent="0" algn="ctr" defTabSz="914400" rtl="0" eaLnBrk="1" latinLnBrk="0" hangingPunct="1">
-              <a:lnSpc>
-                <a:spcPct val="90000"/>
-              </a:lnSpc>
-              <a:spcBef>
-                <a:spcPts val="1000"/>
-              </a:spcBef>
-              <a:buFont typeface="Arial" panose="020B0604020202020204" pitchFamily="34" charset="0"/>
-              <a:buNone/>
-              <a:defRPr sz="2400" kern="1200">
-                <a:solidFill>
-                  <a:schemeClr val="tx1"/>
-                </a:solidFill>
-                <a:latin typeface="+mn-lt"/>
-                <a:ea typeface="+mn-ea"/>
-                <a:cs typeface="+mn-cs"/>
-              </a:defRPr>
-            </a:lvl1pPr>
-            <a:lvl2pPr marL="457200" indent="0" algn="ctr" defTabSz="914400" rtl="0" eaLnBrk="1" latinLnBrk="0" hangingPunct="1">
-              <a:lnSpc>
-                <a:spcPct val="90000"/>
-              </a:lnSpc>
-              <a:spcBef>
-                <a:spcPts val="500"/>
-              </a:spcBef>
-              <a:buFont typeface="Arial" panose="020B0604020202020204" pitchFamily="34" charset="0"/>
-              <a:buNone/>
-              <a:defRPr sz="2000" kern="1200">
-                <a:solidFill>
-                  <a:schemeClr val="tx1"/>
-                </a:solidFill>
-                <a:latin typeface="+mn-lt"/>
-                <a:ea typeface="+mn-ea"/>
-                <a:cs typeface="+mn-cs"/>
-              </a:defRPr>
-            </a:lvl2pPr>
-            <a:lvl3pPr marL="914400" indent="0" algn="ctr" defTabSz="914400" rtl="0" eaLnBrk="1" latinLnBrk="0" hangingPunct="1">
-              <a:lnSpc>
-                <a:spcPct val="90000"/>
-              </a:lnSpc>
-              <a:spcBef>
-                <a:spcPts val="500"/>
-              </a:spcBef>
-              <a:buFont typeface="Arial" panose="020B0604020202020204" pitchFamily="34" charset="0"/>
-              <a:buNone/>
-              <a:defRPr sz="1800" kern="1200">
-                <a:solidFill>
-                  <a:schemeClr val="tx1"/>
-                </a:solidFill>
-                <a:latin typeface="+mn-lt"/>
-                <a:ea typeface="+mn-ea"/>
-                <a:cs typeface="+mn-cs"/>
-              </a:defRPr>
-            </a:lvl3pPr>
-            <a:lvl4pPr marL="1371600" indent="0" algn="ctr" defTabSz="914400" rtl="0" eaLnBrk="1" latinLnBrk="0" hangingPunct="1">
-              <a:lnSpc>
-                <a:spcPct val="90000"/>
-              </a:lnSpc>
-              <a:spcBef>
-                <a:spcPts val="500"/>
-              </a:spcBef>
-              <a:buFont typeface="Arial" panose="020B0604020202020204" pitchFamily="34" charset="0"/>
-              <a:buNone/>
-              <a:defRPr sz="1600" kern="1200">
-                <a:solidFill>
-                  <a:schemeClr val="tx1"/>
-                </a:solidFill>
-                <a:latin typeface="+mn-lt"/>
-                <a:ea typeface="+mn-ea"/>
-                <a:cs typeface="+mn-cs"/>
-              </a:defRPr>
-            </a:lvl4pPr>
-            <a:lvl5pPr marL="1828800" indent="0" algn="ctr" defTabSz="914400" rtl="0" eaLnBrk="1" latinLnBrk="0" hangingPunct="1">
-              <a:lnSpc>
-                <a:spcPct val="90000"/>
-              </a:lnSpc>
-              <a:spcBef>
-                <a:spcPts val="500"/>
-              </a:spcBef>
-              <a:buFont typeface="Arial" panose="020B0604020202020204" pitchFamily="34" charset="0"/>
-              <a:buNone/>
-              <a:defRPr sz="1600" kern="1200">
-                <a:solidFill>
-                  <a:schemeClr val="tx1"/>
-                </a:solidFill>
-                <a:latin typeface="+mn-lt"/>
-                <a:ea typeface="+mn-ea"/>
-                <a:cs typeface="+mn-cs"/>
-              </a:defRPr>
-            </a:lvl5pPr>
-            <a:lvl6pPr marL="2286000" indent="0" algn="ctr" defTabSz="914400" rtl="0" eaLnBrk="1" latinLnBrk="0" hangingPunct="1">
-              <a:lnSpc>
-                <a:spcPct val="90000"/>
-              </a:lnSpc>
-              <a:spcBef>
-                <a:spcPts val="500"/>
-              </a:spcBef>
-              <a:buFont typeface="Arial" panose="020B0604020202020204" pitchFamily="34" charset="0"/>
-              <a:buNone/>
-              <a:defRPr sz="1600" kern="1200">
-                <a:solidFill>
-                  <a:schemeClr val="tx1"/>
-                </a:solidFill>
-                <a:latin typeface="+mn-lt"/>
-                <a:ea typeface="+mn-ea"/>
-                <a:cs typeface="+mn-cs"/>
-              </a:defRPr>
-            </a:lvl6pPr>
-            <a:lvl7pPr marL="2743200" indent="0" algn="ctr" defTabSz="914400" rtl="0" eaLnBrk="1" latinLnBrk="0" hangingPunct="1">
-              <a:lnSpc>
-                <a:spcPct val="90000"/>
-              </a:lnSpc>
-              <a:spcBef>
-                <a:spcPts val="500"/>
-              </a:spcBef>
-              <a:buFont typeface="Arial" panose="020B0604020202020204" pitchFamily="34" charset="0"/>
-              <a:buNone/>
-              <a:defRPr sz="1600" kern="1200">
-                <a:solidFill>
-                  <a:schemeClr val="tx1"/>
-                </a:solidFill>
-                <a:latin typeface="+mn-lt"/>
-                <a:ea typeface="+mn-ea"/>
-                <a:cs typeface="+mn-cs"/>
-              </a:defRPr>
-            </a:lvl7pPr>
-            <a:lvl8pPr marL="3200400" indent="0" algn="ctr" defTabSz="914400" rtl="0" eaLnBrk="1" latinLnBrk="0" hangingPunct="1">
-              <a:lnSpc>
-                <a:spcPct val="90000"/>
-              </a:lnSpc>
-              <a:spcBef>
-                <a:spcPts val="500"/>
-              </a:spcBef>
-              <a:buFont typeface="Arial" panose="020B0604020202020204" pitchFamily="34" charset="0"/>
-              <a:buNone/>
-              <a:defRPr sz="1600" kern="1200">
-                <a:solidFill>
-                  <a:schemeClr val="tx1"/>
-                </a:solidFill>
-                <a:latin typeface="+mn-lt"/>
-                <a:ea typeface="+mn-ea"/>
-                <a:cs typeface="+mn-cs"/>
-              </a:defRPr>
-            </a:lvl8pPr>
-            <a:lvl9pPr marL="3657600" indent="0" algn="ctr" defTabSz="914400" rtl="0" eaLnBrk="1" latinLnBrk="0" hangingPunct="1">
-              <a:lnSpc>
-                <a:spcPct val="90000"/>
-              </a:lnSpc>
-              <a:spcBef>
-                <a:spcPts val="500"/>
-              </a:spcBef>
-              <a:buFont typeface="Arial" panose="020B0604020202020204" pitchFamily="34" charset="0"/>
-              <a:buNone/>
-              <a:defRPr sz="1600" kern="1200">
-                <a:solidFill>
-                  <a:schemeClr val="tx1"/>
-                </a:solidFill>
-                <a:latin typeface="+mn-lt"/>
-                <a:ea typeface="+mn-ea"/>
-                <a:cs typeface="+mn-cs"/>
-              </a:defRPr>
-            </a:lvl9pPr>
-          </a:lstStyle>
-          <a:p>
-            <a:r>
-              <a:rPr lang="en-US" sz="1400" dirty="0">
-                <a:solidFill>
-                  <a:schemeClr val="accent5"/>
-                </a:solidFill>
-                <a:latin typeface="Helvetica" panose="020B0604020202020204" pitchFamily="34" charset="0"/>
-                <a:cs typeface="Helvetica" panose="020B0604020202020204" pitchFamily="34" charset="0"/>
-              </a:rPr>
-              <a:t>2. Voronoi Tessellation</a:t>
-            </a:r>
-            <a:endParaRPr lang="en-CA" sz="1400" dirty="0">
-              <a:solidFill>
-                <a:schemeClr val="accent5"/>
-              </a:solidFill>
-              <a:latin typeface="Helvetica" panose="020B0604020202020204" pitchFamily="34" charset="0"/>
-              <a:cs typeface="Helvetica" panose="020B0604020202020204" pitchFamily="34" charset="0"/>
-            </a:endParaRPr>
-          </a:p>
-        </p:txBody>
-      </p:sp>
-      <p:sp>
-        <p:nvSpPr>
-          <p:cNvPr id="19" name="Subtitle 2">
-            <a:extLst>
-              <a:ext uri="{FF2B5EF4-FFF2-40B4-BE49-F238E27FC236}">
-                <a16:creationId xmlns:a16="http://schemas.microsoft.com/office/drawing/2014/main" id="{B09ED07E-FB76-4E32-89EE-BB3218362985}"/>
-              </a:ext>
-            </a:extLst>
-          </p:cNvPr>
-          <p:cNvSpPr txBox="1">
-            <a:spLocks/>
-          </p:cNvSpPr>
-          <p:nvPr/>
-        </p:nvSpPr>
-        <p:spPr>
-          <a:xfrm>
-            <a:off x="8426240" y="4093733"/>
-            <a:ext cx="2624779" cy="2285332"/>
-          </a:xfrm>
-          <a:prstGeom prst="rect">
-            <a:avLst/>
-          </a:prstGeom>
-        </p:spPr>
-        <p:txBody>
-          <a:bodyPr vert="horz" lIns="91440" tIns="45720" rIns="91440" bIns="45720" rtlCol="0">
-            <a:normAutofit/>
-          </a:bodyPr>
-          <a:lstStyle>
-            <a:lvl1pPr marL="0" indent="0" algn="ctr" defTabSz="914400" rtl="0" eaLnBrk="1" latinLnBrk="0" hangingPunct="1">
-              <a:lnSpc>
-                <a:spcPct val="90000"/>
-              </a:lnSpc>
-              <a:spcBef>
-                <a:spcPts val="1000"/>
-              </a:spcBef>
-              <a:buFont typeface="Arial" panose="020B0604020202020204" pitchFamily="34" charset="0"/>
-              <a:buNone/>
-              <a:defRPr sz="2400" kern="1200">
-                <a:solidFill>
-                  <a:schemeClr val="tx1"/>
-                </a:solidFill>
-                <a:latin typeface="+mn-lt"/>
-                <a:ea typeface="+mn-ea"/>
-                <a:cs typeface="+mn-cs"/>
-              </a:defRPr>
-            </a:lvl1pPr>
-            <a:lvl2pPr marL="457200" indent="0" algn="ctr" defTabSz="914400" rtl="0" eaLnBrk="1" latinLnBrk="0" hangingPunct="1">
-              <a:lnSpc>
-                <a:spcPct val="90000"/>
-              </a:lnSpc>
-              <a:spcBef>
-                <a:spcPts val="500"/>
-              </a:spcBef>
-              <a:buFont typeface="Arial" panose="020B0604020202020204" pitchFamily="34" charset="0"/>
-              <a:buNone/>
-              <a:defRPr sz="2000" kern="1200">
-                <a:solidFill>
-                  <a:schemeClr val="tx1"/>
-                </a:solidFill>
-                <a:latin typeface="+mn-lt"/>
-                <a:ea typeface="+mn-ea"/>
-                <a:cs typeface="+mn-cs"/>
-              </a:defRPr>
-            </a:lvl2pPr>
-            <a:lvl3pPr marL="914400" indent="0" algn="ctr" defTabSz="914400" rtl="0" eaLnBrk="1" latinLnBrk="0" hangingPunct="1">
-              <a:lnSpc>
-                <a:spcPct val="90000"/>
-              </a:lnSpc>
-              <a:spcBef>
-                <a:spcPts val="500"/>
-              </a:spcBef>
-              <a:buFont typeface="Arial" panose="020B0604020202020204" pitchFamily="34" charset="0"/>
-              <a:buNone/>
-              <a:defRPr sz="1800" kern="1200">
-                <a:solidFill>
-                  <a:schemeClr val="tx1"/>
-                </a:solidFill>
-                <a:latin typeface="+mn-lt"/>
-                <a:ea typeface="+mn-ea"/>
-                <a:cs typeface="+mn-cs"/>
-              </a:defRPr>
-            </a:lvl3pPr>
-            <a:lvl4pPr marL="1371600" indent="0" algn="ctr" defTabSz="914400" rtl="0" eaLnBrk="1" latinLnBrk="0" hangingPunct="1">
-              <a:lnSpc>
-                <a:spcPct val="90000"/>
-              </a:lnSpc>
-              <a:spcBef>
-                <a:spcPts val="500"/>
-              </a:spcBef>
-              <a:buFont typeface="Arial" panose="020B0604020202020204" pitchFamily="34" charset="0"/>
-              <a:buNone/>
-              <a:defRPr sz="1600" kern="1200">
-                <a:solidFill>
-                  <a:schemeClr val="tx1"/>
-                </a:solidFill>
-                <a:latin typeface="+mn-lt"/>
-                <a:ea typeface="+mn-ea"/>
-                <a:cs typeface="+mn-cs"/>
-              </a:defRPr>
-            </a:lvl4pPr>
-            <a:lvl5pPr marL="1828800" indent="0" algn="ctr" defTabSz="914400" rtl="0" eaLnBrk="1" latinLnBrk="0" hangingPunct="1">
-              <a:lnSpc>
-                <a:spcPct val="90000"/>
-              </a:lnSpc>
-              <a:spcBef>
-                <a:spcPts val="500"/>
-              </a:spcBef>
-              <a:buFont typeface="Arial" panose="020B0604020202020204" pitchFamily="34" charset="0"/>
-              <a:buNone/>
-              <a:defRPr sz="1600" kern="1200">
-                <a:solidFill>
-                  <a:schemeClr val="tx1"/>
-                </a:solidFill>
-                <a:latin typeface="+mn-lt"/>
-                <a:ea typeface="+mn-ea"/>
-                <a:cs typeface="+mn-cs"/>
-              </a:defRPr>
-            </a:lvl5pPr>
-            <a:lvl6pPr marL="2286000" indent="0" algn="ctr" defTabSz="914400" rtl="0" eaLnBrk="1" latinLnBrk="0" hangingPunct="1">
-              <a:lnSpc>
-                <a:spcPct val="90000"/>
-              </a:lnSpc>
-              <a:spcBef>
-                <a:spcPts val="500"/>
-              </a:spcBef>
-              <a:buFont typeface="Arial" panose="020B0604020202020204" pitchFamily="34" charset="0"/>
-              <a:buNone/>
-              <a:defRPr sz="1600" kern="1200">
-                <a:solidFill>
-                  <a:schemeClr val="tx1"/>
-                </a:solidFill>
-                <a:latin typeface="+mn-lt"/>
-                <a:ea typeface="+mn-ea"/>
-                <a:cs typeface="+mn-cs"/>
-              </a:defRPr>
-            </a:lvl6pPr>
-            <a:lvl7pPr marL="2743200" indent="0" algn="ctr" defTabSz="914400" rtl="0" eaLnBrk="1" latinLnBrk="0" hangingPunct="1">
-              <a:lnSpc>
-                <a:spcPct val="90000"/>
-              </a:lnSpc>
-              <a:spcBef>
-                <a:spcPts val="500"/>
-              </a:spcBef>
-              <a:buFont typeface="Arial" panose="020B0604020202020204" pitchFamily="34" charset="0"/>
-              <a:buNone/>
-              <a:defRPr sz="1600" kern="1200">
-                <a:solidFill>
-                  <a:schemeClr val="tx1"/>
-                </a:solidFill>
-                <a:latin typeface="+mn-lt"/>
-                <a:ea typeface="+mn-ea"/>
-                <a:cs typeface="+mn-cs"/>
-              </a:defRPr>
-            </a:lvl7pPr>
-            <a:lvl8pPr marL="3200400" indent="0" algn="ctr" defTabSz="914400" rtl="0" eaLnBrk="1" latinLnBrk="0" hangingPunct="1">
-              <a:lnSpc>
-                <a:spcPct val="90000"/>
-              </a:lnSpc>
-              <a:spcBef>
-                <a:spcPts val="500"/>
-              </a:spcBef>
-              <a:buFont typeface="Arial" panose="020B0604020202020204" pitchFamily="34" charset="0"/>
-              <a:buNone/>
-              <a:defRPr sz="1600" kern="1200">
-                <a:solidFill>
-                  <a:schemeClr val="tx1"/>
-                </a:solidFill>
-                <a:latin typeface="+mn-lt"/>
-                <a:ea typeface="+mn-ea"/>
-                <a:cs typeface="+mn-cs"/>
-              </a:defRPr>
-            </a:lvl8pPr>
-            <a:lvl9pPr marL="3657600" indent="0" algn="ctr" defTabSz="914400" rtl="0" eaLnBrk="1" latinLnBrk="0" hangingPunct="1">
-              <a:lnSpc>
-                <a:spcPct val="90000"/>
-              </a:lnSpc>
-              <a:spcBef>
-                <a:spcPts val="500"/>
-              </a:spcBef>
-              <a:buFont typeface="Arial" panose="020B0604020202020204" pitchFamily="34" charset="0"/>
-              <a:buNone/>
-              <a:defRPr sz="1600" kern="1200">
-                <a:solidFill>
-                  <a:schemeClr val="tx1"/>
-                </a:solidFill>
-                <a:latin typeface="+mn-lt"/>
-                <a:ea typeface="+mn-ea"/>
-                <a:cs typeface="+mn-cs"/>
-              </a:defRPr>
-            </a:lvl9pPr>
-          </a:lstStyle>
-          <a:p>
-            <a:r>
-              <a:rPr lang="en-US" sz="1400" dirty="0">
-                <a:solidFill>
-                  <a:schemeClr val="accent5"/>
-                </a:solidFill>
-                <a:latin typeface="Helvetica" panose="020B0604020202020204" pitchFamily="34" charset="0"/>
-                <a:cs typeface="Helvetica" panose="020B0604020202020204" pitchFamily="34" charset="0"/>
-              </a:rPr>
-              <a:t>3. Adjust “random” points</a:t>
-            </a:r>
-          </a:p>
-          <a:p>
-            <a:endParaRPr lang="en-US" sz="1400" dirty="0">
-              <a:solidFill>
-                <a:schemeClr val="accent5"/>
-              </a:solidFill>
-              <a:latin typeface="Helvetica" panose="020B0604020202020204" pitchFamily="34" charset="0"/>
-              <a:cs typeface="Helvetica" panose="020B0604020202020204" pitchFamily="34" charset="0"/>
-            </a:endParaRPr>
-          </a:p>
-          <a:p>
-            <a:endParaRPr lang="en-US" sz="1400" dirty="0">
-              <a:solidFill>
-                <a:schemeClr val="accent5"/>
-              </a:solidFill>
-              <a:latin typeface="Helvetica" panose="020B0604020202020204" pitchFamily="34" charset="0"/>
-              <a:cs typeface="Helvetica" panose="020B0604020202020204" pitchFamily="34" charset="0"/>
-            </a:endParaRPr>
-          </a:p>
-          <a:p>
-            <a:endParaRPr lang="en-US" sz="1400" dirty="0">
-              <a:solidFill>
-                <a:schemeClr val="accent5"/>
-              </a:solidFill>
-              <a:latin typeface="Helvetica" panose="020B0604020202020204" pitchFamily="34" charset="0"/>
-              <a:cs typeface="Helvetica" panose="020B0604020202020204" pitchFamily="34" charset="0"/>
-            </a:endParaRPr>
-          </a:p>
-          <a:p>
-            <a:endParaRPr lang="en-US" sz="1400" dirty="0">
-              <a:solidFill>
-                <a:schemeClr val="accent5"/>
-              </a:solidFill>
-              <a:latin typeface="Helvetica" panose="020B0604020202020204" pitchFamily="34" charset="0"/>
-              <a:cs typeface="Helvetica" panose="020B0604020202020204" pitchFamily="34" charset="0"/>
-            </a:endParaRPr>
-          </a:p>
-          <a:p>
-            <a:r>
-              <a:rPr lang="en-US" sz="1400" dirty="0">
-                <a:solidFill>
-                  <a:schemeClr val="accent5"/>
-                </a:solidFill>
-                <a:latin typeface="Helvetica" panose="020B0604020202020204" pitchFamily="34" charset="0"/>
-                <a:cs typeface="Helvetica" panose="020B0604020202020204" pitchFamily="34" charset="0"/>
-              </a:rPr>
-              <a:t>to cluster centroid</a:t>
-            </a:r>
-            <a:endParaRPr lang="en-CA" sz="1400" dirty="0">
-              <a:solidFill>
-                <a:schemeClr val="accent5"/>
-              </a:solidFill>
-              <a:latin typeface="Helvetica" panose="020B0604020202020204" pitchFamily="34" charset="0"/>
-              <a:cs typeface="Helvetica" panose="020B0604020202020204" pitchFamily="34" charset="0"/>
-            </a:endParaRPr>
-          </a:p>
-        </p:txBody>
-      </p:sp>
-    </p:spTree>
-    <p:extLst>
-      <p:ext uri="{BB962C8B-B14F-4D97-AF65-F5344CB8AC3E}">
         <p14:creationId xmlns:p14="http://schemas.microsoft.com/office/powerpoint/2010/main" val="2110296048"/>
       </p:ext>
     </p:extLst>
@@ -8622,7 +6501,7 @@
 </p:sld>
 </file>
 
-<file path=ppt/slides/slide7.xml><?xml version="1.0" encoding="utf-8"?>
+<file path=ppt/slides/slide6.xml><?xml version="1.0" encoding="utf-8"?>
 <p:sld xmlns:a="http://schemas.openxmlformats.org/drawingml/2006/main" xmlns:r="http://schemas.openxmlformats.org/officeDocument/2006/relationships" xmlns:p="http://schemas.openxmlformats.org/presentationml/2006/main">
   <p:cSld>
     <p:spTree>
@@ -8951,7 +6830,7 @@
 </p:sld>
 </file>
 
-<file path=ppt/slides/slide8.xml><?xml version="1.0" encoding="utf-8"?>
+<file path=ppt/slides/slide7.xml><?xml version="1.0" encoding="utf-8"?>
 <p:sld xmlns:a="http://schemas.openxmlformats.org/drawingml/2006/main" xmlns:r="http://schemas.openxmlformats.org/officeDocument/2006/relationships" xmlns:p="http://schemas.openxmlformats.org/presentationml/2006/main">
   <p:cSld>
     <p:spTree>
